--- a/images/_makingIMG.pptx
+++ b/images/_makingIMG.pptx
@@ -288,7 +288,7 @@
           <a:p>
             <a:fld id="{D385F7C1-84E1-41C1-9FDC-9163D8A4981F}" type="datetimeFigureOut">
               <a:rPr lang="zh-TW" altLang="en-US" smtClean="0"/>
-              <a:t>2021/5/29</a:t>
+              <a:t>2021/6/13</a:t>
             </a:fld>
             <a:endParaRPr lang="zh-TW" altLang="en-US"/>
           </a:p>
@@ -458,7 +458,7 @@
           <a:p>
             <a:fld id="{D385F7C1-84E1-41C1-9FDC-9163D8A4981F}" type="datetimeFigureOut">
               <a:rPr lang="zh-TW" altLang="en-US" smtClean="0"/>
-              <a:t>2021/5/29</a:t>
+              <a:t>2021/6/13</a:t>
             </a:fld>
             <a:endParaRPr lang="zh-TW" altLang="en-US"/>
           </a:p>
@@ -638,7 +638,7 @@
           <a:p>
             <a:fld id="{D385F7C1-84E1-41C1-9FDC-9163D8A4981F}" type="datetimeFigureOut">
               <a:rPr lang="zh-TW" altLang="en-US" smtClean="0"/>
-              <a:t>2021/5/29</a:t>
+              <a:t>2021/6/13</a:t>
             </a:fld>
             <a:endParaRPr lang="zh-TW" altLang="en-US"/>
           </a:p>
@@ -808,7 +808,7 @@
           <a:p>
             <a:fld id="{D385F7C1-84E1-41C1-9FDC-9163D8A4981F}" type="datetimeFigureOut">
               <a:rPr lang="zh-TW" altLang="en-US" smtClean="0"/>
-              <a:t>2021/5/29</a:t>
+              <a:t>2021/6/13</a:t>
             </a:fld>
             <a:endParaRPr lang="zh-TW" altLang="en-US"/>
           </a:p>
@@ -1054,7 +1054,7 @@
           <a:p>
             <a:fld id="{D385F7C1-84E1-41C1-9FDC-9163D8A4981F}" type="datetimeFigureOut">
               <a:rPr lang="zh-TW" altLang="en-US" smtClean="0"/>
-              <a:t>2021/5/29</a:t>
+              <a:t>2021/6/13</a:t>
             </a:fld>
             <a:endParaRPr lang="zh-TW" altLang="en-US"/>
           </a:p>
@@ -1342,7 +1342,7 @@
           <a:p>
             <a:fld id="{D385F7C1-84E1-41C1-9FDC-9163D8A4981F}" type="datetimeFigureOut">
               <a:rPr lang="zh-TW" altLang="en-US" smtClean="0"/>
-              <a:t>2021/5/29</a:t>
+              <a:t>2021/6/13</a:t>
             </a:fld>
             <a:endParaRPr lang="zh-TW" altLang="en-US"/>
           </a:p>
@@ -1764,7 +1764,7 @@
           <a:p>
             <a:fld id="{D385F7C1-84E1-41C1-9FDC-9163D8A4981F}" type="datetimeFigureOut">
               <a:rPr lang="zh-TW" altLang="en-US" smtClean="0"/>
-              <a:t>2021/5/29</a:t>
+              <a:t>2021/6/13</a:t>
             </a:fld>
             <a:endParaRPr lang="zh-TW" altLang="en-US"/>
           </a:p>
@@ -1882,7 +1882,7 @@
           <a:p>
             <a:fld id="{D385F7C1-84E1-41C1-9FDC-9163D8A4981F}" type="datetimeFigureOut">
               <a:rPr lang="zh-TW" altLang="en-US" smtClean="0"/>
-              <a:t>2021/5/29</a:t>
+              <a:t>2021/6/13</a:t>
             </a:fld>
             <a:endParaRPr lang="zh-TW" altLang="en-US"/>
           </a:p>
@@ -1977,7 +1977,7 @@
           <a:p>
             <a:fld id="{D385F7C1-84E1-41C1-9FDC-9163D8A4981F}" type="datetimeFigureOut">
               <a:rPr lang="zh-TW" altLang="en-US" smtClean="0"/>
-              <a:t>2021/5/29</a:t>
+              <a:t>2021/6/13</a:t>
             </a:fld>
             <a:endParaRPr lang="zh-TW" altLang="en-US"/>
           </a:p>
@@ -2254,7 +2254,7 @@
           <a:p>
             <a:fld id="{D385F7C1-84E1-41C1-9FDC-9163D8A4981F}" type="datetimeFigureOut">
               <a:rPr lang="zh-TW" altLang="en-US" smtClean="0"/>
-              <a:t>2021/5/29</a:t>
+              <a:t>2021/6/13</a:t>
             </a:fld>
             <a:endParaRPr lang="zh-TW" altLang="en-US"/>
           </a:p>
@@ -2507,7 +2507,7 @@
           <a:p>
             <a:fld id="{D385F7C1-84E1-41C1-9FDC-9163D8A4981F}" type="datetimeFigureOut">
               <a:rPr lang="zh-TW" altLang="en-US" smtClean="0"/>
-              <a:t>2021/5/29</a:t>
+              <a:t>2021/6/13</a:t>
             </a:fld>
             <a:endParaRPr lang="zh-TW" altLang="en-US"/>
           </a:p>
@@ -2720,7 +2720,7 @@
           <a:p>
             <a:fld id="{D385F7C1-84E1-41C1-9FDC-9163D8A4981F}" type="datetimeFigureOut">
               <a:rPr lang="zh-TW" altLang="en-US" smtClean="0"/>
-              <a:t>2021/5/29</a:t>
+              <a:t>2021/6/13</a:t>
             </a:fld>
             <a:endParaRPr lang="zh-TW" altLang="en-US"/>
           </a:p>
@@ -3097,16 +3097,16 @@
       </p:grpSpPr>
       <p:grpSp>
         <p:nvGrpSpPr>
-          <p:cNvPr id="23" name="群組 22"/>
+          <p:cNvPr id="5" name="群組 4"/>
           <p:cNvGrpSpPr/>
           <p:nvPr/>
         </p:nvGrpSpPr>
         <p:grpSpPr>
           <a:xfrm>
-            <a:off x="251560" y="577668"/>
-            <a:ext cx="2160000" cy="720000"/>
-            <a:chOff x="2699832" y="332656"/>
-            <a:chExt cx="2160000" cy="720000"/>
+            <a:off x="-4539" y="86988"/>
+            <a:ext cx="2160000" cy="540000"/>
+            <a:chOff x="251560" y="577668"/>
+            <a:chExt cx="2160000" cy="540000"/>
           </a:xfrm>
         </p:grpSpPr>
         <p:sp>
@@ -3117,8 +3117,8 @@
           </p:nvSpPr>
           <p:spPr>
             <a:xfrm>
-              <a:off x="2699832" y="332656"/>
-              <a:ext cx="2160000" cy="720000"/>
+              <a:off x="251560" y="577668"/>
+              <a:ext cx="2160000" cy="540000"/>
             </a:xfrm>
             <a:prstGeom prst="roundRect">
               <a:avLst/>
@@ -3175,14 +3175,14 @@
             <a:p>
               <a:pPr algn="ctr"/>
               <a:r>
-                <a:rPr lang="zh-TW" altLang="en-US" sz="2800" dirty="0" smtClean="0">
+                <a:rPr lang="zh-TW" altLang="en-US" b="1" dirty="0" smtClean="0">
                   <a:latin typeface="標楷體" pitchFamily="65" charset="-120"/>
                   <a:ea typeface="標楷體" pitchFamily="65" charset="-120"/>
                 </a:rPr>
                 <a:t>　我</a:t>
               </a:r>
               <a:r>
-                <a:rPr lang="zh-TW" altLang="en-US" sz="2800" dirty="0">
+                <a:rPr lang="zh-TW" altLang="en-US" b="1" dirty="0">
                   <a:latin typeface="標楷體" pitchFamily="65" charset="-120"/>
                   <a:ea typeface="標楷體" pitchFamily="65" charset="-120"/>
                 </a:rPr>
@@ -3199,8 +3199,8 @@
           </p:nvSpPr>
           <p:spPr>
             <a:xfrm>
-              <a:off x="2879832" y="512656"/>
-              <a:ext cx="360000" cy="360000"/>
+              <a:off x="377329" y="703668"/>
+              <a:ext cx="288000" cy="288000"/>
             </a:xfrm>
             <a:prstGeom prst="diamond">
               <a:avLst/>
@@ -3228,23 +3228,23 @@
             <a:lstStyle/>
             <a:p>
               <a:pPr algn="ctr"/>
-              <a:endParaRPr lang="zh-TW" altLang="en-US"/>
+              <a:endParaRPr lang="zh-TW" altLang="en-US" b="1"/>
             </a:p>
           </p:txBody>
         </p:sp>
       </p:grpSp>
       <p:grpSp>
         <p:nvGrpSpPr>
-          <p:cNvPr id="22" name="群組 21"/>
+          <p:cNvPr id="45" name="群組 44"/>
           <p:cNvGrpSpPr/>
           <p:nvPr/>
         </p:nvGrpSpPr>
         <p:grpSpPr>
           <a:xfrm>
-            <a:off x="251560" y="1450068"/>
-            <a:ext cx="2160000" cy="720000"/>
-            <a:chOff x="2699832" y="1205056"/>
-            <a:chExt cx="2160000" cy="720000"/>
+            <a:off x="-4539" y="705174"/>
+            <a:ext cx="2160000" cy="540000"/>
+            <a:chOff x="-4539" y="705174"/>
+            <a:chExt cx="2160000" cy="540000"/>
           </a:xfrm>
         </p:grpSpPr>
         <p:sp>
@@ -3255,8 +3255,8 @@
           </p:nvSpPr>
           <p:spPr>
             <a:xfrm>
-              <a:off x="2699832" y="1205056"/>
-              <a:ext cx="2160000" cy="720000"/>
+              <a:off x="-4539" y="705174"/>
+              <a:ext cx="2160000" cy="540000"/>
             </a:xfrm>
             <a:prstGeom prst="roundRect">
               <a:avLst/>
@@ -3313,13 +3313,13 @@
             <a:p>
               <a:pPr algn="ctr"/>
               <a:r>
-                <a:rPr lang="zh-TW" altLang="en-US" sz="2800" dirty="0" smtClean="0">
+                <a:rPr lang="zh-TW" altLang="en-US" b="1" dirty="0" smtClean="0">
                   <a:latin typeface="標楷體" pitchFamily="65" charset="-120"/>
                   <a:ea typeface="標楷體" pitchFamily="65" charset="-120"/>
                 </a:rPr>
                 <a:t>　歷史沿革</a:t>
               </a:r>
-              <a:endParaRPr lang="zh-TW" altLang="en-US" sz="2800" dirty="0">
+              <a:endParaRPr lang="zh-TW" altLang="en-US" b="1" dirty="0">
                 <a:latin typeface="標楷體" pitchFamily="65" charset="-120"/>
                 <a:ea typeface="標楷體" pitchFamily="65" charset="-120"/>
               </a:endParaRPr>
@@ -3334,8 +3334,8 @@
           </p:nvSpPr>
           <p:spPr>
             <a:xfrm>
-              <a:off x="2879832" y="1385056"/>
-              <a:ext cx="360000" cy="360000"/>
+              <a:off x="119809" y="846960"/>
+              <a:ext cx="288000" cy="288000"/>
             </a:xfrm>
             <a:prstGeom prst="diamond">
               <a:avLst/>
@@ -3363,23 +3363,23 @@
             <a:lstStyle/>
             <a:p>
               <a:pPr algn="ctr"/>
-              <a:endParaRPr lang="zh-TW" altLang="en-US"/>
+              <a:endParaRPr lang="zh-TW" altLang="en-US" b="1"/>
             </a:p>
           </p:txBody>
         </p:sp>
       </p:grpSp>
       <p:grpSp>
         <p:nvGrpSpPr>
-          <p:cNvPr id="21" name="群組 20"/>
+          <p:cNvPr id="44" name="群組 43"/>
           <p:cNvGrpSpPr/>
           <p:nvPr/>
         </p:nvGrpSpPr>
         <p:grpSpPr>
           <a:xfrm>
-            <a:off x="251560" y="2305860"/>
-            <a:ext cx="2160000" cy="720000"/>
-            <a:chOff x="2699832" y="2060848"/>
-            <a:chExt cx="2160000" cy="720000"/>
+            <a:off x="18490" y="1299583"/>
+            <a:ext cx="2160000" cy="540000"/>
+            <a:chOff x="18490" y="1299583"/>
+            <a:chExt cx="2160000" cy="540000"/>
           </a:xfrm>
         </p:grpSpPr>
         <p:sp>
@@ -3390,8 +3390,8 @@
           </p:nvSpPr>
           <p:spPr>
             <a:xfrm>
-              <a:off x="2699832" y="2060848"/>
-              <a:ext cx="2160000" cy="720000"/>
+              <a:off x="18490" y="1299583"/>
+              <a:ext cx="2160000" cy="540000"/>
             </a:xfrm>
             <a:prstGeom prst="roundRect">
               <a:avLst/>
@@ -3448,13 +3448,27 @@
             <a:p>
               <a:pPr algn="ctr"/>
               <a:r>
-                <a:rPr lang="zh-TW" altLang="en-US" sz="2800" dirty="0" smtClean="0">
+                <a:rPr lang="zh-TW" altLang="en-US" b="1" dirty="0" smtClean="0">
                   <a:latin typeface="標楷體" pitchFamily="65" charset="-120"/>
                   <a:ea typeface="標楷體" pitchFamily="65" charset="-120"/>
                 </a:rPr>
-                <a:t>　生活花絮</a:t>
+                <a:t>　</a:t>
               </a:r>
-              <a:endParaRPr lang="zh-TW" altLang="en-US" sz="2800" dirty="0">
+              <a:r>
+                <a:rPr lang="zh-TW" altLang="en-US" b="1" dirty="0" smtClean="0">
+                  <a:latin typeface="標楷體" pitchFamily="65" charset="-120"/>
+                  <a:ea typeface="標楷體" pitchFamily="65" charset="-120"/>
+                </a:rPr>
+                <a:t>生活</a:t>
+              </a:r>
+              <a:r>
+                <a:rPr lang="zh-TW" altLang="en-US" b="1" dirty="0" smtClean="0">
+                  <a:latin typeface="標楷體" pitchFamily="65" charset="-120"/>
+                  <a:ea typeface="標楷體" pitchFamily="65" charset="-120"/>
+                </a:rPr>
+                <a:t>花絮</a:t>
+              </a:r>
+              <a:endParaRPr lang="zh-TW" altLang="en-US" b="1" dirty="0">
                 <a:latin typeface="標楷體" pitchFamily="65" charset="-120"/>
                 <a:ea typeface="標楷體" pitchFamily="65" charset="-120"/>
               </a:endParaRPr>
@@ -3469,8 +3483,8 @@
           </p:nvSpPr>
           <p:spPr>
             <a:xfrm>
-              <a:off x="2879832" y="2240848"/>
-              <a:ext cx="360000" cy="360000"/>
+              <a:off x="142838" y="1425583"/>
+              <a:ext cx="288000" cy="288000"/>
             </a:xfrm>
             <a:prstGeom prst="diamond">
               <a:avLst/>
@@ -3498,23 +3512,23 @@
             <a:lstStyle/>
             <a:p>
               <a:pPr algn="ctr"/>
-              <a:endParaRPr lang="zh-TW" altLang="en-US"/>
+              <a:endParaRPr lang="zh-TW" altLang="en-US" b="1"/>
             </a:p>
           </p:txBody>
         </p:sp>
       </p:grpSp>
       <p:grpSp>
         <p:nvGrpSpPr>
-          <p:cNvPr id="24" name="群組 23"/>
+          <p:cNvPr id="43" name="群組 42"/>
           <p:cNvGrpSpPr/>
           <p:nvPr/>
         </p:nvGrpSpPr>
         <p:grpSpPr>
           <a:xfrm>
-            <a:off x="265277" y="3314012"/>
-            <a:ext cx="2160000" cy="720000"/>
-            <a:chOff x="2713549" y="3069000"/>
-            <a:chExt cx="2160000" cy="720000"/>
+            <a:off x="45579" y="2018289"/>
+            <a:ext cx="2160000" cy="540000"/>
+            <a:chOff x="45579" y="2018289"/>
+            <a:chExt cx="2160000" cy="540000"/>
           </a:xfrm>
         </p:grpSpPr>
         <p:sp>
@@ -3525,8 +3539,8 @@
           </p:nvSpPr>
           <p:spPr>
             <a:xfrm>
-              <a:off x="2713549" y="3069000"/>
-              <a:ext cx="2160000" cy="720000"/>
+              <a:off x="45579" y="2018289"/>
+              <a:ext cx="2160000" cy="540000"/>
             </a:xfrm>
             <a:prstGeom prst="roundRect">
               <a:avLst/>
@@ -3583,13 +3597,13 @@
             <a:p>
               <a:pPr algn="ctr"/>
               <a:r>
-                <a:rPr lang="zh-TW" altLang="en-US" sz="2800" dirty="0" smtClean="0">
+                <a:rPr lang="zh-TW" altLang="en-US" b="1" dirty="0" smtClean="0">
                   <a:latin typeface="標楷體" pitchFamily="65" charset="-120"/>
                   <a:ea typeface="標楷體" pitchFamily="65" charset="-120"/>
                 </a:rPr>
                 <a:t>　各式通報</a:t>
               </a:r>
-              <a:endParaRPr lang="zh-TW" altLang="en-US" sz="2800" dirty="0">
+              <a:endParaRPr lang="zh-TW" altLang="en-US" b="1" dirty="0">
                 <a:latin typeface="標楷體" pitchFamily="65" charset="-120"/>
                 <a:ea typeface="標楷體" pitchFamily="65" charset="-120"/>
               </a:endParaRPr>
@@ -3604,8 +3618,8 @@
           </p:nvSpPr>
           <p:spPr>
             <a:xfrm>
-              <a:off x="2893549" y="3249000"/>
-              <a:ext cx="360000" cy="360000"/>
+              <a:off x="157631" y="2144289"/>
+              <a:ext cx="288000" cy="288000"/>
             </a:xfrm>
             <a:prstGeom prst="diamond">
               <a:avLst/>
@@ -3633,23 +3647,23 @@
             <a:lstStyle/>
             <a:p>
               <a:pPr algn="ctr"/>
-              <a:endParaRPr lang="zh-TW" altLang="en-US"/>
+              <a:endParaRPr lang="zh-TW" altLang="en-US" b="1"/>
             </a:p>
           </p:txBody>
         </p:sp>
       </p:grpSp>
       <p:grpSp>
         <p:nvGrpSpPr>
-          <p:cNvPr id="25" name="群組 24"/>
+          <p:cNvPr id="42" name="群組 41"/>
           <p:cNvGrpSpPr/>
           <p:nvPr/>
         </p:nvGrpSpPr>
         <p:grpSpPr>
           <a:xfrm>
-            <a:off x="265277" y="4250116"/>
-            <a:ext cx="2160000" cy="720000"/>
-            <a:chOff x="2713549" y="4005104"/>
-            <a:chExt cx="2160000" cy="720000"/>
+            <a:off x="-4539" y="2672626"/>
+            <a:ext cx="2160000" cy="540000"/>
+            <a:chOff x="-4539" y="2672626"/>
+            <a:chExt cx="2160000" cy="540000"/>
           </a:xfrm>
         </p:grpSpPr>
         <p:sp>
@@ -3660,8 +3674,8 @@
           </p:nvSpPr>
           <p:spPr>
             <a:xfrm>
-              <a:off x="2713549" y="4005104"/>
-              <a:ext cx="2160000" cy="720000"/>
+              <a:off x="-4539" y="2672626"/>
+              <a:ext cx="2160000" cy="540000"/>
             </a:xfrm>
             <a:prstGeom prst="roundRect">
               <a:avLst/>
@@ -3718,13 +3732,13 @@
             <a:p>
               <a:pPr algn="ctr"/>
               <a:r>
-                <a:rPr lang="zh-TW" altLang="en-US" sz="2800" dirty="0" smtClean="0">
+                <a:rPr lang="zh-TW" altLang="en-US" b="1" dirty="0" smtClean="0">
                   <a:latin typeface="標楷體" pitchFamily="65" charset="-120"/>
                   <a:ea typeface="標楷體" pitchFamily="65" charset="-120"/>
                 </a:rPr>
                 <a:t>　各式計畫</a:t>
               </a:r>
-              <a:endParaRPr lang="zh-TW" altLang="en-US" sz="2800" dirty="0">
+              <a:endParaRPr lang="zh-TW" altLang="en-US" b="1" dirty="0">
                 <a:latin typeface="標楷體" pitchFamily="65" charset="-120"/>
                 <a:ea typeface="標楷體" pitchFamily="65" charset="-120"/>
               </a:endParaRPr>
@@ -3739,8 +3753,8 @@
           </p:nvSpPr>
           <p:spPr>
             <a:xfrm>
-              <a:off x="2893549" y="4185104"/>
-              <a:ext cx="360000" cy="360000"/>
+              <a:off x="107513" y="2798626"/>
+              <a:ext cx="288000" cy="288000"/>
             </a:xfrm>
             <a:prstGeom prst="diamond">
               <a:avLst/>
@@ -3768,23 +3782,23 @@
             <a:lstStyle/>
             <a:p>
               <a:pPr algn="ctr"/>
-              <a:endParaRPr lang="zh-TW" altLang="en-US"/>
+              <a:endParaRPr lang="zh-TW" altLang="en-US" b="1"/>
             </a:p>
           </p:txBody>
         </p:sp>
       </p:grpSp>
       <p:grpSp>
         <p:nvGrpSpPr>
-          <p:cNvPr id="26" name="群組 25"/>
+          <p:cNvPr id="41" name="群組 40"/>
           <p:cNvGrpSpPr/>
           <p:nvPr/>
         </p:nvGrpSpPr>
         <p:grpSpPr>
           <a:xfrm>
-            <a:off x="278994" y="5186220"/>
-            <a:ext cx="2160000" cy="720000"/>
-            <a:chOff x="2727266" y="4941208"/>
-            <a:chExt cx="2160000" cy="720000"/>
+            <a:off x="26874" y="3404012"/>
+            <a:ext cx="2160000" cy="540000"/>
+            <a:chOff x="26874" y="3404012"/>
+            <a:chExt cx="2160000" cy="540000"/>
           </a:xfrm>
         </p:grpSpPr>
         <p:sp>
@@ -3795,8 +3809,8 @@
           </p:nvSpPr>
           <p:spPr>
             <a:xfrm>
-              <a:off x="2727266" y="4941208"/>
-              <a:ext cx="2160000" cy="720000"/>
+              <a:off x="26874" y="3404012"/>
+              <a:ext cx="2160000" cy="540000"/>
             </a:xfrm>
             <a:prstGeom prst="roundRect">
               <a:avLst/>
@@ -3853,13 +3867,13 @@
             <a:p>
               <a:pPr algn="ctr"/>
               <a:r>
-                <a:rPr lang="zh-TW" altLang="en-US" sz="2800" dirty="0" smtClean="0">
+                <a:rPr lang="zh-TW" altLang="en-US" b="1" dirty="0" smtClean="0">
                   <a:latin typeface="標楷體" pitchFamily="65" charset="-120"/>
                   <a:ea typeface="標楷體" pitchFamily="65" charset="-120"/>
                 </a:rPr>
                 <a:t>　檔案下載</a:t>
               </a:r>
-              <a:endParaRPr lang="zh-TW" altLang="en-US" sz="2800" dirty="0">
+              <a:endParaRPr lang="zh-TW" altLang="en-US" b="1" dirty="0">
                 <a:latin typeface="標楷體" pitchFamily="65" charset="-120"/>
                 <a:ea typeface="標楷體" pitchFamily="65" charset="-120"/>
               </a:endParaRPr>
@@ -3874,8 +3888,8 @@
           </p:nvSpPr>
           <p:spPr>
             <a:xfrm>
-              <a:off x="2907266" y="5121208"/>
-              <a:ext cx="360000" cy="360000"/>
+              <a:off x="187824" y="3530012"/>
+              <a:ext cx="288000" cy="288000"/>
             </a:xfrm>
             <a:prstGeom prst="diamond">
               <a:avLst/>
@@ -3903,23 +3917,23 @@
             <a:lstStyle/>
             <a:p>
               <a:pPr algn="ctr"/>
-              <a:endParaRPr lang="zh-TW" altLang="en-US"/>
+              <a:endParaRPr lang="zh-TW" altLang="en-US" b="1"/>
             </a:p>
           </p:txBody>
         </p:sp>
       </p:grpSp>
       <p:grpSp>
         <p:nvGrpSpPr>
-          <p:cNvPr id="27" name="群組 26"/>
+          <p:cNvPr id="40" name="群組 39"/>
           <p:cNvGrpSpPr/>
           <p:nvPr/>
         </p:nvGrpSpPr>
         <p:grpSpPr>
           <a:xfrm>
-            <a:off x="259944" y="6088603"/>
-            <a:ext cx="2160000" cy="720000"/>
-            <a:chOff x="2708216" y="5843591"/>
-            <a:chExt cx="2160000" cy="720000"/>
+            <a:off x="-4539" y="4088012"/>
+            <a:ext cx="2160000" cy="540000"/>
+            <a:chOff x="-4539" y="4088012"/>
+            <a:chExt cx="2160000" cy="540000"/>
           </a:xfrm>
         </p:grpSpPr>
         <p:sp>
@@ -3930,8 +3944,8 @@
           </p:nvSpPr>
           <p:spPr>
             <a:xfrm>
-              <a:off x="2708216" y="5843591"/>
-              <a:ext cx="2160000" cy="720000"/>
+              <a:off x="-4539" y="4088012"/>
+              <a:ext cx="2160000" cy="540000"/>
             </a:xfrm>
             <a:prstGeom prst="roundRect">
               <a:avLst/>
@@ -3988,13 +4002,13 @@
             <a:p>
               <a:pPr algn="ctr"/>
               <a:r>
-                <a:rPr lang="zh-TW" altLang="en-US" sz="2800" dirty="0" smtClean="0">
+                <a:rPr lang="zh-TW" altLang="en-US" b="1" dirty="0" smtClean="0">
                   <a:latin typeface="標楷體" pitchFamily="65" charset="-120"/>
                   <a:ea typeface="標楷體" pitchFamily="65" charset="-120"/>
                 </a:rPr>
                 <a:t>　網網相連</a:t>
               </a:r>
-              <a:endParaRPr lang="zh-TW" altLang="en-US" sz="2800" dirty="0">
+              <a:endParaRPr lang="zh-TW" altLang="en-US" b="1" dirty="0">
                 <a:latin typeface="標楷體" pitchFamily="65" charset="-120"/>
                 <a:ea typeface="標楷體" pitchFamily="65" charset="-120"/>
               </a:endParaRPr>
@@ -4009,8 +4023,8 @@
           </p:nvSpPr>
           <p:spPr>
             <a:xfrm>
-              <a:off x="2888216" y="6023591"/>
-              <a:ext cx="360000" cy="360000"/>
+              <a:off x="112846" y="4214012"/>
+              <a:ext cx="288000" cy="288000"/>
             </a:xfrm>
             <a:prstGeom prst="diamond">
               <a:avLst/>
@@ -4038,7 +4052,7 @@
             <a:lstStyle/>
             <a:p>
               <a:pPr algn="ctr"/>
-              <a:endParaRPr lang="zh-TW" altLang="en-US"/>
+              <a:endParaRPr lang="zh-TW" altLang="en-US" b="1"/>
             </a:p>
           </p:txBody>
         </p:sp>
@@ -4084,46 +4098,6 @@
       </p:sp>
       <p:sp>
         <p:nvSpPr>
-          <p:cNvPr id="2" name="圓角矩形 1"/>
-          <p:cNvSpPr/>
-          <p:nvPr/>
-        </p:nvSpPr>
-        <p:spPr>
-          <a:xfrm>
-            <a:off x="3244594" y="100668"/>
-            <a:ext cx="5814000" cy="954000"/>
-          </a:xfrm>
-          <a:prstGeom prst="roundRect">
-            <a:avLst/>
-          </a:prstGeom>
-        </p:spPr>
-        <p:style>
-          <a:lnRef idx="2">
-            <a:schemeClr val="accent1">
-              <a:shade val="50000"/>
-            </a:schemeClr>
-          </a:lnRef>
-          <a:fillRef idx="1">
-            <a:schemeClr val="accent1"/>
-          </a:fillRef>
-          <a:effectRef idx="0">
-            <a:schemeClr val="accent1"/>
-          </a:effectRef>
-          <a:fontRef idx="minor">
-            <a:schemeClr val="lt1"/>
-          </a:fontRef>
-        </p:style>
-        <p:txBody>
-          <a:bodyPr rtlCol="0" anchor="ctr"/>
-          <a:lstStyle/>
-          <a:p>
-            <a:pPr algn="ctr"/>
-            <a:endParaRPr lang="zh-TW" altLang="en-US"/>
-          </a:p>
-        </p:txBody>
-      </p:sp>
-      <p:sp>
-        <p:nvSpPr>
           <p:cNvPr id="3" name="＞形箭號 2"/>
           <p:cNvSpPr/>
           <p:nvPr/>
@@ -4210,16 +4184,16 @@
       </p:sp>
       <p:grpSp>
         <p:nvGrpSpPr>
-          <p:cNvPr id="29" name="群組 28"/>
+          <p:cNvPr id="36" name="群組 35"/>
           <p:cNvGrpSpPr/>
           <p:nvPr/>
         </p:nvGrpSpPr>
         <p:grpSpPr>
           <a:xfrm>
-            <a:off x="3707904" y="3674012"/>
-            <a:ext cx="2160000" cy="720000"/>
-            <a:chOff x="2727266" y="4941208"/>
-            <a:chExt cx="2160000" cy="720000"/>
+            <a:off x="8781" y="4763914"/>
+            <a:ext cx="2160000" cy="540000"/>
+            <a:chOff x="8781" y="4763914"/>
+            <a:chExt cx="2160000" cy="540000"/>
           </a:xfrm>
         </p:grpSpPr>
         <p:sp>
@@ -4230,8 +4204,8 @@
           </p:nvSpPr>
           <p:spPr>
             <a:xfrm>
-              <a:off x="2727266" y="4941208"/>
-              <a:ext cx="2160000" cy="720000"/>
+              <a:off x="8781" y="4763914"/>
+              <a:ext cx="2160000" cy="540000"/>
             </a:xfrm>
             <a:prstGeom prst="roundRect">
               <a:avLst/>
@@ -4288,13 +4262,20 @@
             <a:p>
               <a:pPr algn="ctr"/>
               <a:r>
-                <a:rPr lang="zh-TW" altLang="en-US" sz="2800" dirty="0" smtClean="0">
+                <a:rPr lang="zh-TW" altLang="en-US" b="1" dirty="0" smtClean="0">
                   <a:latin typeface="標楷體" pitchFamily="65" charset="-120"/>
                   <a:ea typeface="標楷體" pitchFamily="65" charset="-120"/>
                 </a:rPr>
-                <a:t>　工管表</a:t>
+                <a:t>　</a:t>
               </a:r>
-              <a:endParaRPr lang="zh-TW" altLang="en-US" sz="2800" dirty="0">
+              <a:r>
+                <a:rPr lang="zh-TW" altLang="en-US" b="1" dirty="0" smtClean="0">
+                  <a:latin typeface="標楷體" pitchFamily="65" charset="-120"/>
+                  <a:ea typeface="標楷體" pitchFamily="65" charset="-120"/>
+                </a:rPr>
+                <a:t>工作管制表</a:t>
+              </a:r>
+              <a:endParaRPr lang="zh-TW" altLang="en-US" b="1" dirty="0">
                 <a:latin typeface="標楷體" pitchFamily="65" charset="-120"/>
                 <a:ea typeface="標楷體" pitchFamily="65" charset="-120"/>
               </a:endParaRPr>
@@ -4309,8 +4290,8 @@
           </p:nvSpPr>
           <p:spPr>
             <a:xfrm>
-              <a:off x="2907266" y="5121208"/>
-              <a:ext cx="360000" cy="360000"/>
+              <a:off x="172560" y="4889914"/>
+              <a:ext cx="288000" cy="288000"/>
             </a:xfrm>
             <a:prstGeom prst="diamond">
               <a:avLst/>
@@ -4338,23 +4319,23 @@
             <a:lstStyle/>
             <a:p>
               <a:pPr algn="ctr"/>
-              <a:endParaRPr lang="zh-TW" altLang="en-US"/>
+              <a:endParaRPr lang="zh-TW" altLang="en-US" b="1"/>
             </a:p>
           </p:txBody>
         </p:sp>
       </p:grpSp>
       <p:grpSp>
         <p:nvGrpSpPr>
-          <p:cNvPr id="33" name="群組 32"/>
+          <p:cNvPr id="18" name="群組 17"/>
           <p:cNvGrpSpPr/>
           <p:nvPr/>
         </p:nvGrpSpPr>
         <p:grpSpPr>
           <a:xfrm>
-            <a:off x="3635776" y="4780607"/>
-            <a:ext cx="2160000" cy="720000"/>
-            <a:chOff x="2727266" y="4941208"/>
-            <a:chExt cx="2160000" cy="720000"/>
+            <a:off x="16630" y="5456509"/>
+            <a:ext cx="2160000" cy="540000"/>
+            <a:chOff x="16630" y="5456509"/>
+            <a:chExt cx="2160000" cy="540000"/>
           </a:xfrm>
         </p:grpSpPr>
         <p:sp>
@@ -4365,8 +4346,8 @@
           </p:nvSpPr>
           <p:spPr>
             <a:xfrm>
-              <a:off x="2727266" y="4941208"/>
-              <a:ext cx="2160000" cy="720000"/>
+              <a:off x="16630" y="5456509"/>
+              <a:ext cx="2160000" cy="540000"/>
             </a:xfrm>
             <a:prstGeom prst="roundRect">
               <a:avLst/>
@@ -4423,23 +4404,26 @@
             <a:p>
               <a:pPr algn="ctr"/>
               <a:r>
-                <a:rPr lang="zh-TW" altLang="en-US" sz="2800" smtClean="0">
+                <a:rPr lang="zh-TW" altLang="en-US" b="1" dirty="0" smtClean="0">
                   <a:latin typeface="標楷體" pitchFamily="65" charset="-120"/>
                   <a:ea typeface="標楷體" pitchFamily="65" charset="-120"/>
                 </a:rPr>
                 <a:t>　</a:t>
               </a:r>
               <a:r>
-                <a:rPr lang="zh-TW" altLang="en-US" sz="2800">
+                <a:rPr lang="zh-TW" altLang="en-US" b="1" dirty="0" smtClean="0">
                   <a:latin typeface="標楷體" pitchFamily="65" charset="-120"/>
                   <a:ea typeface="標楷體" pitchFamily="65" charset="-120"/>
                 </a:rPr>
-                <a:t>健康管理系統</a:t>
+                <a:t> 健康</a:t>
               </a:r>
-              <a:endParaRPr lang="zh-TW" altLang="en-US" sz="2800" dirty="0">
-                <a:latin typeface="標楷體" pitchFamily="65" charset="-120"/>
-                <a:ea typeface="標楷體" pitchFamily="65" charset="-120"/>
-              </a:endParaRPr>
+              <a:r>
+                <a:rPr lang="zh-TW" altLang="en-US" b="1" dirty="0">
+                  <a:latin typeface="標楷體" pitchFamily="65" charset="-120"/>
+                  <a:ea typeface="標楷體" pitchFamily="65" charset="-120"/>
+                </a:rPr>
+                <a:t>管理系統</a:t>
+              </a:r>
             </a:p>
           </p:txBody>
         </p:sp>
@@ -4451,8 +4435,8 @@
           </p:nvSpPr>
           <p:spPr>
             <a:xfrm>
-              <a:off x="2907266" y="5121208"/>
-              <a:ext cx="360000" cy="360000"/>
+              <a:off x="180409" y="5582509"/>
+              <a:ext cx="288000" cy="288000"/>
             </a:xfrm>
             <a:prstGeom prst="diamond">
               <a:avLst/>
@@ -4480,7 +4464,577 @@
             <a:lstStyle/>
             <a:p>
               <a:pPr algn="ctr"/>
-              <a:endParaRPr lang="zh-TW" altLang="en-US"/>
+              <a:endParaRPr lang="zh-TW" altLang="en-US" b="1"/>
+            </a:p>
+          </p:txBody>
+        </p:sp>
+      </p:grpSp>
+      <p:grpSp>
+        <p:nvGrpSpPr>
+          <p:cNvPr id="4" name="群組 3"/>
+          <p:cNvGrpSpPr/>
+          <p:nvPr/>
+        </p:nvGrpSpPr>
+        <p:grpSpPr>
+          <a:xfrm>
+            <a:off x="2590264" y="126748"/>
+            <a:ext cx="5702400" cy="842400"/>
+            <a:chOff x="3244594" y="100668"/>
+            <a:chExt cx="5835600" cy="968400"/>
+          </a:xfrm>
+        </p:grpSpPr>
+        <p:sp>
+          <p:nvSpPr>
+            <p:cNvPr id="2" name="圓角矩形 1"/>
+            <p:cNvSpPr/>
+            <p:nvPr/>
+          </p:nvSpPr>
+          <p:spPr>
+            <a:xfrm>
+              <a:off x="3244594" y="100668"/>
+              <a:ext cx="5835600" cy="968400"/>
+            </a:xfrm>
+            <a:prstGeom prst="roundRect">
+              <a:avLst/>
+            </a:prstGeom>
+            <a:effectLst/>
+          </p:spPr>
+          <p:style>
+            <a:lnRef idx="1">
+              <a:schemeClr val="accent3"/>
+            </a:lnRef>
+            <a:fillRef idx="2">
+              <a:schemeClr val="accent3"/>
+            </a:fillRef>
+            <a:effectRef idx="1">
+              <a:schemeClr val="accent3"/>
+            </a:effectRef>
+            <a:fontRef idx="minor">
+              <a:schemeClr val="dk1"/>
+            </a:fontRef>
+          </p:style>
+          <p:txBody>
+            <a:bodyPr rtlCol="0" anchor="ctr"/>
+            <a:lstStyle/>
+            <a:p>
+              <a:pPr algn="r"/>
+              <a:r>
+                <a:rPr lang="zh-TW" altLang="en-US" sz="3600" b="1" spc="500" dirty="0" smtClean="0">
+                  <a:latin typeface="標楷體" pitchFamily="65" charset="-120"/>
+                  <a:ea typeface="標楷體" pitchFamily="65" charset="-120"/>
+                </a:rPr>
+                <a:t> 陸軍機步第二六九旅</a:t>
+              </a:r>
+              <a:endParaRPr lang="zh-TW" altLang="en-US" sz="3600" b="1" spc="500" dirty="0">
+                <a:latin typeface="標楷體" pitchFamily="65" charset="-120"/>
+                <a:ea typeface="標楷體" pitchFamily="65" charset="-120"/>
+              </a:endParaRPr>
+            </a:p>
+          </p:txBody>
+        </p:sp>
+        <p:pic>
+          <p:nvPicPr>
+            <p:cNvPr id="1026" name="Picture 2" descr="C:\xampp\htdocs\Website_269\images\logo.png"/>
+            <p:cNvPicPr>
+              <a:picLocks noChangeAspect="1" noChangeArrowheads="1"/>
+            </p:cNvPicPr>
+            <p:nvPr/>
+          </p:nvPicPr>
+          <p:blipFill>
+            <a:blip r:embed="rId2" cstate="print">
+              <a:extLst>
+                <a:ext uri="{28A0092B-C50C-407E-A947-70E740481C1C}">
+                  <a14:useLocalDpi xmlns:a14="http://schemas.microsoft.com/office/drawing/2010/main" val="0"/>
+                </a:ext>
+              </a:extLst>
+            </a:blip>
+            <a:srcRect/>
+            <a:stretch>
+              <a:fillRect/>
+            </a:stretch>
+          </p:blipFill>
+          <p:spPr bwMode="auto">
+            <a:xfrm>
+              <a:off x="3512524" y="178511"/>
+              <a:ext cx="606503" cy="812714"/>
+            </a:xfrm>
+            <a:prstGeom prst="rect">
+              <a:avLst/>
+            </a:prstGeom>
+            <a:noFill/>
+            <a:extLst>
+              <a:ext uri="{909E8E84-426E-40DD-AFC4-6F175D3DCCD1}">
+                <a14:hiddenFill xmlns:a14="http://schemas.microsoft.com/office/drawing/2010/main">
+                  <a:solidFill>
+                    <a:srgbClr val="FFFFFF"/>
+                  </a:solidFill>
+                </a14:hiddenFill>
+              </a:ext>
+            </a:extLst>
+          </p:spPr>
+        </p:pic>
+      </p:grpSp>
+      <p:pic>
+        <p:nvPicPr>
+          <p:cNvPr id="1027" name="Picture 3" descr="C:\xampp\htdocs\Website_269\images\LOGO_BAR.png"/>
+          <p:cNvPicPr>
+            <a:picLocks noChangeArrowheads="1"/>
+          </p:cNvPicPr>
+          <p:nvPr/>
+        </p:nvPicPr>
+        <p:blipFill rotWithShape="1">
+          <a:blip r:embed="rId3">
+            <a:extLst>
+              <a:ext uri="{28A0092B-C50C-407E-A947-70E740481C1C}">
+                <a14:useLocalDpi xmlns:a14="http://schemas.microsoft.com/office/drawing/2010/main" val="0"/>
+              </a:ext>
+            </a:extLst>
+          </a:blip>
+          <a:srcRect l="-1" r="2407" b="11907"/>
+          <a:stretch/>
+        </p:blipFill>
+        <p:spPr bwMode="auto">
+          <a:xfrm>
+            <a:off x="2402301" y="1105854"/>
+            <a:ext cx="5853600" cy="972000"/>
+          </a:xfrm>
+          <a:prstGeom prst="rect">
+            <a:avLst/>
+          </a:prstGeom>
+          <a:noFill/>
+          <a:extLst>
+            <a:ext uri="{909E8E84-426E-40DD-AFC4-6F175D3DCCD1}">
+              <a14:hiddenFill xmlns:a14="http://schemas.microsoft.com/office/drawing/2010/main">
+                <a:solidFill>
+                  <a:srgbClr val="FFFFFF"/>
+                </a:solidFill>
+              </a14:hiddenFill>
+            </a:ext>
+          </a:extLst>
+        </p:spPr>
+      </p:pic>
+      <p:grpSp>
+        <p:nvGrpSpPr>
+          <p:cNvPr id="37" name="群組 36"/>
+          <p:cNvGrpSpPr/>
+          <p:nvPr/>
+        </p:nvGrpSpPr>
+        <p:grpSpPr>
+          <a:xfrm>
+            <a:off x="8781" y="6165304"/>
+            <a:ext cx="2160000" cy="540000"/>
+            <a:chOff x="251560" y="577668"/>
+            <a:chExt cx="2160000" cy="540000"/>
+          </a:xfrm>
+        </p:grpSpPr>
+        <p:sp>
+          <p:nvSpPr>
+            <p:cNvPr id="38" name="圓角矩形 37"/>
+            <p:cNvSpPr/>
+            <p:nvPr/>
+          </p:nvSpPr>
+          <p:spPr>
+            <a:xfrm>
+              <a:off x="251560" y="577668"/>
+              <a:ext cx="2160000" cy="540000"/>
+            </a:xfrm>
+            <a:prstGeom prst="roundRect">
+              <a:avLst/>
+            </a:prstGeom>
+            <a:gradFill flip="none" rotWithShape="1">
+              <a:gsLst>
+                <a:gs pos="0">
+                  <a:schemeClr val="accent3">
+                    <a:lumMod val="60000"/>
+                    <a:lumOff val="40000"/>
+                    <a:shade val="30000"/>
+                    <a:satMod val="115000"/>
+                  </a:schemeClr>
+                </a:gs>
+                <a:gs pos="50000">
+                  <a:schemeClr val="accent3">
+                    <a:lumMod val="60000"/>
+                    <a:lumOff val="40000"/>
+                    <a:shade val="67500"/>
+                    <a:satMod val="115000"/>
+                  </a:schemeClr>
+                </a:gs>
+                <a:gs pos="100000">
+                  <a:schemeClr val="accent3">
+                    <a:lumMod val="60000"/>
+                    <a:lumOff val="40000"/>
+                    <a:shade val="100000"/>
+                    <a:satMod val="115000"/>
+                  </a:schemeClr>
+                </a:gs>
+              </a:gsLst>
+              <a:lin ang="16200000" scaled="1"/>
+              <a:tileRect/>
+            </a:gradFill>
+            <a:effectLst/>
+          </p:spPr>
+          <p:style>
+            <a:lnRef idx="0">
+              <a:schemeClr val="accent3"/>
+            </a:lnRef>
+            <a:fillRef idx="3">
+              <a:schemeClr val="accent3"/>
+            </a:fillRef>
+            <a:effectRef idx="3">
+              <a:schemeClr val="accent3"/>
+            </a:effectRef>
+            <a:fontRef idx="minor">
+              <a:schemeClr val="lt1"/>
+            </a:fontRef>
+          </p:style>
+          <p:txBody>
+            <a:bodyPr lIns="0" tIns="0" rIns="0" bIns="0" rtlCol="0" anchor="ctr"/>
+            <a:lstStyle/>
+            <a:p>
+              <a:pPr algn="ctr"/>
+              <a:r>
+                <a:rPr lang="zh-TW" altLang="en-US" b="1" dirty="0" smtClean="0">
+                  <a:latin typeface="標楷體" pitchFamily="65" charset="-120"/>
+                  <a:ea typeface="標楷體" pitchFamily="65" charset="-120"/>
+                </a:rPr>
+                <a:t>　</a:t>
+              </a:r>
+              <a:r>
+                <a:rPr lang="zh-TW" altLang="en-US" b="1" dirty="0" smtClean="0">
+                  <a:latin typeface="標楷體" pitchFamily="65" charset="-120"/>
+                  <a:ea typeface="標楷體" pitchFamily="65" charset="-120"/>
+                </a:rPr>
+                <a:t>歷任旅長</a:t>
+              </a:r>
+              <a:endParaRPr lang="zh-TW" altLang="en-US" b="1" dirty="0">
+                <a:latin typeface="標楷體" pitchFamily="65" charset="-120"/>
+                <a:ea typeface="標楷體" pitchFamily="65" charset="-120"/>
+              </a:endParaRPr>
+            </a:p>
+          </p:txBody>
+        </p:sp>
+        <p:sp>
+          <p:nvSpPr>
+            <p:cNvPr id="39" name="菱形 38"/>
+            <p:cNvSpPr/>
+            <p:nvPr/>
+          </p:nvSpPr>
+          <p:spPr>
+            <a:xfrm>
+              <a:off x="377329" y="703668"/>
+              <a:ext cx="288000" cy="288000"/>
+            </a:xfrm>
+            <a:prstGeom prst="diamond">
+              <a:avLst/>
+            </a:prstGeom>
+            <a:effectLst/>
+          </p:spPr>
+          <p:style>
+            <a:lnRef idx="2">
+              <a:schemeClr val="accent1">
+                <a:shade val="50000"/>
+              </a:schemeClr>
+            </a:lnRef>
+            <a:fillRef idx="1">
+              <a:schemeClr val="accent1"/>
+            </a:fillRef>
+            <a:effectRef idx="0">
+              <a:schemeClr val="accent1"/>
+            </a:effectRef>
+            <a:fontRef idx="minor">
+              <a:schemeClr val="lt1"/>
+            </a:fontRef>
+          </p:style>
+          <p:txBody>
+            <a:bodyPr rtlCol="0" anchor="ctr"/>
+            <a:lstStyle/>
+            <a:p>
+              <a:pPr algn="ctr"/>
+              <a:endParaRPr lang="zh-TW" altLang="en-US" b="1"/>
+            </a:p>
+          </p:txBody>
+        </p:sp>
+      </p:grpSp>
+      <p:grpSp>
+        <p:nvGrpSpPr>
+          <p:cNvPr id="48" name="群組 47"/>
+          <p:cNvGrpSpPr/>
+          <p:nvPr/>
+        </p:nvGrpSpPr>
+        <p:grpSpPr>
+          <a:xfrm>
+            <a:off x="2491874" y="5177914"/>
+            <a:ext cx="2160000" cy="540000"/>
+            <a:chOff x="16630" y="5456509"/>
+            <a:chExt cx="2160000" cy="540000"/>
+          </a:xfrm>
+        </p:grpSpPr>
+        <p:sp>
+          <p:nvSpPr>
+            <p:cNvPr id="49" name="圓角矩形 48"/>
+            <p:cNvSpPr/>
+            <p:nvPr/>
+          </p:nvSpPr>
+          <p:spPr>
+            <a:xfrm>
+              <a:off x="16630" y="5456509"/>
+              <a:ext cx="2160000" cy="540000"/>
+            </a:xfrm>
+            <a:prstGeom prst="roundRect">
+              <a:avLst/>
+            </a:prstGeom>
+            <a:gradFill flip="none" rotWithShape="1">
+              <a:gsLst>
+                <a:gs pos="0">
+                  <a:schemeClr val="accent3">
+                    <a:lumMod val="60000"/>
+                    <a:lumOff val="40000"/>
+                    <a:shade val="30000"/>
+                    <a:satMod val="115000"/>
+                  </a:schemeClr>
+                </a:gs>
+                <a:gs pos="50000">
+                  <a:schemeClr val="accent3">
+                    <a:lumMod val="60000"/>
+                    <a:lumOff val="40000"/>
+                    <a:shade val="67500"/>
+                    <a:satMod val="115000"/>
+                  </a:schemeClr>
+                </a:gs>
+                <a:gs pos="100000">
+                  <a:schemeClr val="accent3">
+                    <a:lumMod val="60000"/>
+                    <a:lumOff val="40000"/>
+                    <a:shade val="100000"/>
+                    <a:satMod val="115000"/>
+                  </a:schemeClr>
+                </a:gs>
+              </a:gsLst>
+              <a:lin ang="16200000" scaled="1"/>
+              <a:tileRect/>
+            </a:gradFill>
+            <a:effectLst/>
+          </p:spPr>
+          <p:style>
+            <a:lnRef idx="0">
+              <a:schemeClr val="accent3"/>
+            </a:lnRef>
+            <a:fillRef idx="3">
+              <a:schemeClr val="accent3"/>
+            </a:fillRef>
+            <a:effectRef idx="3">
+              <a:schemeClr val="accent3"/>
+            </a:effectRef>
+            <a:fontRef idx="minor">
+              <a:schemeClr val="lt1"/>
+            </a:fontRef>
+          </p:style>
+          <p:txBody>
+            <a:bodyPr lIns="0" tIns="0" rIns="0" bIns="0" rtlCol="0" anchor="ctr"/>
+            <a:lstStyle/>
+            <a:p>
+              <a:pPr algn="ctr"/>
+              <a:r>
+                <a:rPr lang="zh-TW" altLang="en-US" b="1" dirty="0" smtClean="0">
+                  <a:latin typeface="標楷體" pitchFamily="65" charset="-120"/>
+                  <a:ea typeface="標楷體" pitchFamily="65" charset="-120"/>
+                </a:rPr>
+                <a:t>　</a:t>
+              </a:r>
+              <a:r>
+                <a:rPr lang="zh-TW" altLang="en-US" b="1" dirty="0" smtClean="0">
+                  <a:latin typeface="標楷體" pitchFamily="65" charset="-120"/>
+                  <a:ea typeface="標楷體" pitchFamily="65" charset="-120"/>
+                </a:rPr>
+                <a:t> 基本體能測驗</a:t>
+              </a:r>
+              <a:endParaRPr lang="zh-TW" altLang="en-US" b="1" dirty="0">
+                <a:latin typeface="標楷體" pitchFamily="65" charset="-120"/>
+                <a:ea typeface="標楷體" pitchFamily="65" charset="-120"/>
+              </a:endParaRPr>
+            </a:p>
+          </p:txBody>
+        </p:sp>
+        <p:sp>
+          <p:nvSpPr>
+            <p:cNvPr id="50" name="菱形 49"/>
+            <p:cNvSpPr/>
+            <p:nvPr/>
+          </p:nvSpPr>
+          <p:spPr>
+            <a:xfrm>
+              <a:off x="180409" y="5582509"/>
+              <a:ext cx="288000" cy="288000"/>
+            </a:xfrm>
+            <a:prstGeom prst="diamond">
+              <a:avLst/>
+            </a:prstGeom>
+            <a:effectLst/>
+          </p:spPr>
+          <p:style>
+            <a:lnRef idx="2">
+              <a:schemeClr val="accent1">
+                <a:shade val="50000"/>
+              </a:schemeClr>
+            </a:lnRef>
+            <a:fillRef idx="1">
+              <a:schemeClr val="accent1"/>
+            </a:fillRef>
+            <a:effectRef idx="0">
+              <a:schemeClr val="accent1"/>
+            </a:effectRef>
+            <a:fontRef idx="minor">
+              <a:schemeClr val="lt1"/>
+            </a:fontRef>
+          </p:style>
+          <p:txBody>
+            <a:bodyPr rtlCol="0" anchor="ctr"/>
+            <a:lstStyle/>
+            <a:p>
+              <a:pPr algn="ctr"/>
+              <a:endParaRPr lang="zh-TW" altLang="en-US" b="1"/>
+            </a:p>
+          </p:txBody>
+        </p:sp>
+      </p:grpSp>
+      <p:grpSp>
+        <p:nvGrpSpPr>
+          <p:cNvPr id="51" name="群組 50"/>
+          <p:cNvGrpSpPr/>
+          <p:nvPr/>
+        </p:nvGrpSpPr>
+        <p:grpSpPr>
+          <a:xfrm>
+            <a:off x="2590264" y="3996921"/>
+            <a:ext cx="2160000" cy="540000"/>
+            <a:chOff x="16630" y="5456509"/>
+            <a:chExt cx="2160000" cy="540000"/>
+          </a:xfrm>
+        </p:grpSpPr>
+        <p:sp>
+          <p:nvSpPr>
+            <p:cNvPr id="52" name="圓角矩形 51"/>
+            <p:cNvSpPr/>
+            <p:nvPr/>
+          </p:nvSpPr>
+          <p:spPr>
+            <a:xfrm>
+              <a:off x="16630" y="5456509"/>
+              <a:ext cx="2160000" cy="540000"/>
+            </a:xfrm>
+            <a:prstGeom prst="roundRect">
+              <a:avLst/>
+            </a:prstGeom>
+            <a:gradFill flip="none" rotWithShape="1">
+              <a:gsLst>
+                <a:gs pos="0">
+                  <a:schemeClr val="accent3">
+                    <a:lumMod val="60000"/>
+                    <a:lumOff val="40000"/>
+                    <a:shade val="30000"/>
+                    <a:satMod val="115000"/>
+                  </a:schemeClr>
+                </a:gs>
+                <a:gs pos="50000">
+                  <a:schemeClr val="accent3">
+                    <a:lumMod val="60000"/>
+                    <a:lumOff val="40000"/>
+                    <a:shade val="67500"/>
+                    <a:satMod val="115000"/>
+                  </a:schemeClr>
+                </a:gs>
+                <a:gs pos="100000">
+                  <a:schemeClr val="accent3">
+                    <a:lumMod val="60000"/>
+                    <a:lumOff val="40000"/>
+                    <a:shade val="100000"/>
+                    <a:satMod val="115000"/>
+                  </a:schemeClr>
+                </a:gs>
+              </a:gsLst>
+              <a:lin ang="16200000" scaled="1"/>
+              <a:tileRect/>
+            </a:gradFill>
+            <a:effectLst/>
+          </p:spPr>
+          <p:style>
+            <a:lnRef idx="0">
+              <a:schemeClr val="accent3"/>
+            </a:lnRef>
+            <a:fillRef idx="3">
+              <a:schemeClr val="accent3"/>
+            </a:fillRef>
+            <a:effectRef idx="3">
+              <a:schemeClr val="accent3"/>
+            </a:effectRef>
+            <a:fontRef idx="minor">
+              <a:schemeClr val="lt1"/>
+            </a:fontRef>
+          </p:style>
+          <p:txBody>
+            <a:bodyPr lIns="0" tIns="0" rIns="0" bIns="0" rtlCol="0" anchor="ctr"/>
+            <a:lstStyle/>
+            <a:p>
+              <a:pPr algn="ctr"/>
+              <a:r>
+                <a:rPr lang="zh-TW" altLang="en-US" b="1" dirty="0" smtClean="0">
+                  <a:latin typeface="標楷體" pitchFamily="65" charset="-120"/>
+                  <a:ea typeface="標楷體" pitchFamily="65" charset="-120"/>
+                </a:rPr>
+                <a:t>　</a:t>
+              </a:r>
+              <a:r>
+                <a:rPr lang="zh-TW" altLang="en-US" b="1" dirty="0" smtClean="0">
+                  <a:latin typeface="標楷體" pitchFamily="65" charset="-120"/>
+                  <a:ea typeface="標楷體" pitchFamily="65" charset="-120"/>
+                </a:rPr>
+                <a:t> 陸軍電子郵件</a:t>
+              </a:r>
+              <a:endParaRPr lang="zh-TW" altLang="en-US" b="1" dirty="0">
+                <a:latin typeface="標楷體" pitchFamily="65" charset="-120"/>
+                <a:ea typeface="標楷體" pitchFamily="65" charset="-120"/>
+              </a:endParaRPr>
+            </a:p>
+          </p:txBody>
+        </p:sp>
+        <p:sp>
+          <p:nvSpPr>
+            <p:cNvPr id="53" name="菱形 52"/>
+            <p:cNvSpPr/>
+            <p:nvPr/>
+          </p:nvSpPr>
+          <p:spPr>
+            <a:xfrm>
+              <a:off x="180409" y="5582509"/>
+              <a:ext cx="288000" cy="288000"/>
+            </a:xfrm>
+            <a:prstGeom prst="diamond">
+              <a:avLst/>
+            </a:prstGeom>
+            <a:effectLst/>
+          </p:spPr>
+          <p:style>
+            <a:lnRef idx="2">
+              <a:schemeClr val="accent1">
+                <a:shade val="50000"/>
+              </a:schemeClr>
+            </a:lnRef>
+            <a:fillRef idx="1">
+              <a:schemeClr val="accent1"/>
+            </a:fillRef>
+            <a:effectRef idx="0">
+              <a:schemeClr val="accent1"/>
+            </a:effectRef>
+            <a:fontRef idx="minor">
+              <a:schemeClr val="lt1"/>
+            </a:fontRef>
+          </p:style>
+          <p:txBody>
+            <a:bodyPr rtlCol="0" anchor="ctr"/>
+            <a:lstStyle/>
+            <a:p>
+              <a:pPr algn="ctr"/>
+              <a:endParaRPr lang="zh-TW" altLang="en-US" b="1"/>
             </a:p>
           </p:txBody>
         </p:sp>

--- a/images/_makingIMG.pptx
+++ b/images/_makingIMG.pptx
@@ -3452,21 +3452,7 @@
                   <a:latin typeface="標楷體" pitchFamily="65" charset="-120"/>
                   <a:ea typeface="標楷體" pitchFamily="65" charset="-120"/>
                 </a:rPr>
-                <a:t>　</a:t>
-              </a:r>
-              <a:r>
-                <a:rPr lang="zh-TW" altLang="en-US" b="1" dirty="0" smtClean="0">
-                  <a:latin typeface="標楷體" pitchFamily="65" charset="-120"/>
-                  <a:ea typeface="標楷體" pitchFamily="65" charset="-120"/>
-                </a:rPr>
-                <a:t>生活</a:t>
-              </a:r>
-              <a:r>
-                <a:rPr lang="zh-TW" altLang="en-US" b="1" dirty="0" smtClean="0">
-                  <a:latin typeface="標楷體" pitchFamily="65" charset="-120"/>
-                  <a:ea typeface="標楷體" pitchFamily="65" charset="-120"/>
-                </a:rPr>
-                <a:t>花絮</a:t>
+                <a:t>　生活花絮</a:t>
               </a:r>
               <a:endParaRPr lang="zh-TW" altLang="en-US" b="1" dirty="0">
                 <a:latin typeface="標楷體" pitchFamily="65" charset="-120"/>
@@ -4098,49 +4084,6 @@
       </p:sp>
       <p:sp>
         <p:nvSpPr>
-          <p:cNvPr id="3" name="＞形箭號 2"/>
-          <p:cNvSpPr/>
-          <p:nvPr/>
-        </p:nvSpPr>
-        <p:spPr>
-          <a:xfrm>
-            <a:off x="8388424" y="1376752"/>
-            <a:ext cx="360000" cy="360000"/>
-          </a:xfrm>
-          <a:prstGeom prst="chevron">
-            <a:avLst/>
-          </a:prstGeom>
-          <a:effectLst/>
-        </p:spPr>
-        <p:style>
-          <a:lnRef idx="0">
-            <a:schemeClr val="accent5"/>
-          </a:lnRef>
-          <a:fillRef idx="3">
-            <a:schemeClr val="accent5"/>
-          </a:fillRef>
-          <a:effectRef idx="3">
-            <a:schemeClr val="accent5"/>
-          </a:effectRef>
-          <a:fontRef idx="minor">
-            <a:schemeClr val="lt1"/>
-          </a:fontRef>
-        </p:style>
-        <p:txBody>
-          <a:bodyPr rtlCol="0" anchor="ctr"/>
-          <a:lstStyle/>
-          <a:p>
-            <a:pPr algn="ctr"/>
-            <a:endParaRPr lang="zh-TW" altLang="en-US">
-              <a:solidFill>
-                <a:schemeClr val="tx1"/>
-              </a:solidFill>
-            </a:endParaRPr>
-          </a:p>
-        </p:txBody>
-      </p:sp>
-      <p:sp>
-        <p:nvSpPr>
           <p:cNvPr id="31" name="＞形箭號 30"/>
           <p:cNvSpPr/>
           <p:nvPr/>
@@ -4266,14 +4209,7 @@
                   <a:latin typeface="標楷體" pitchFamily="65" charset="-120"/>
                   <a:ea typeface="標楷體" pitchFamily="65" charset="-120"/>
                 </a:rPr>
-                <a:t>　</a:t>
-              </a:r>
-              <a:r>
-                <a:rPr lang="zh-TW" altLang="en-US" b="1" dirty="0" smtClean="0">
-                  <a:latin typeface="標楷體" pitchFamily="65" charset="-120"/>
-                  <a:ea typeface="標楷體" pitchFamily="65" charset="-120"/>
-                </a:rPr>
-                <a:t>工作管制表</a:t>
+                <a:t>　工作管制表</a:t>
               </a:r>
               <a:endParaRPr lang="zh-TW" altLang="en-US" b="1" dirty="0">
                 <a:latin typeface="標楷體" pitchFamily="65" charset="-120"/>
@@ -4408,14 +4344,7 @@
                   <a:latin typeface="標楷體" pitchFamily="65" charset="-120"/>
                   <a:ea typeface="標楷體" pitchFamily="65" charset="-120"/>
                 </a:rPr>
-                <a:t>　</a:t>
-              </a:r>
-              <a:r>
-                <a:rPr lang="zh-TW" altLang="en-US" b="1" dirty="0" smtClean="0">
-                  <a:latin typeface="標楷體" pitchFamily="65" charset="-120"/>
-                  <a:ea typeface="標楷體" pitchFamily="65" charset="-120"/>
-                </a:rPr>
-                <a:t> 健康</a:t>
+                <a:t>　 健康</a:t>
               </a:r>
               <a:r>
                 <a:rPr lang="zh-TW" altLang="en-US" b="1" dirty="0">
@@ -4697,14 +4626,7 @@
                   <a:latin typeface="標楷體" pitchFamily="65" charset="-120"/>
                   <a:ea typeface="標楷體" pitchFamily="65" charset="-120"/>
                 </a:rPr>
-                <a:t>　</a:t>
-              </a:r>
-              <a:r>
-                <a:rPr lang="zh-TW" altLang="en-US" b="1" dirty="0" smtClean="0">
-                  <a:latin typeface="標楷體" pitchFamily="65" charset="-120"/>
-                  <a:ea typeface="標楷體" pitchFamily="65" charset="-120"/>
-                </a:rPr>
-                <a:t>歷任旅長</a:t>
+                <a:t>　歷任旅長</a:t>
               </a:r>
               <a:endParaRPr lang="zh-TW" altLang="en-US" b="1" dirty="0">
                 <a:latin typeface="標楷體" pitchFamily="65" charset="-120"/>
@@ -4839,14 +4761,7 @@
                   <a:latin typeface="標楷體" pitchFamily="65" charset="-120"/>
                   <a:ea typeface="標楷體" pitchFamily="65" charset="-120"/>
                 </a:rPr>
-                <a:t>　</a:t>
-              </a:r>
-              <a:r>
-                <a:rPr lang="zh-TW" altLang="en-US" b="1" dirty="0" smtClean="0">
-                  <a:latin typeface="標楷體" pitchFamily="65" charset="-120"/>
-                  <a:ea typeface="標楷體" pitchFamily="65" charset="-120"/>
-                </a:rPr>
-                <a:t> 基本體能測驗</a:t>
+                <a:t>　 基本體能測驗</a:t>
               </a:r>
               <a:endParaRPr lang="zh-TW" altLang="en-US" b="1" dirty="0">
                 <a:latin typeface="標楷體" pitchFamily="65" charset="-120"/>
@@ -4981,14 +4896,7 @@
                   <a:latin typeface="標楷體" pitchFamily="65" charset="-120"/>
                   <a:ea typeface="標楷體" pitchFamily="65" charset="-120"/>
                 </a:rPr>
-                <a:t>　</a:t>
-              </a:r>
-              <a:r>
-                <a:rPr lang="zh-TW" altLang="en-US" b="1" dirty="0" smtClean="0">
-                  <a:latin typeface="標楷體" pitchFamily="65" charset="-120"/>
-                  <a:ea typeface="標楷體" pitchFamily="65" charset="-120"/>
-                </a:rPr>
-                <a:t> 陸軍電子郵件</a:t>
+                <a:t>　 陸軍電子郵件</a:t>
               </a:r>
               <a:endParaRPr lang="zh-TW" altLang="en-US" b="1" dirty="0">
                 <a:latin typeface="標楷體" pitchFamily="65" charset="-120"/>
@@ -5011,6 +4919,1368 @@
             <a:prstGeom prst="diamond">
               <a:avLst/>
             </a:prstGeom>
+            <a:effectLst/>
+          </p:spPr>
+          <p:style>
+            <a:lnRef idx="2">
+              <a:schemeClr val="accent1">
+                <a:shade val="50000"/>
+              </a:schemeClr>
+            </a:lnRef>
+            <a:fillRef idx="1">
+              <a:schemeClr val="accent1"/>
+            </a:fillRef>
+            <a:effectRef idx="0">
+              <a:schemeClr val="accent1"/>
+            </a:effectRef>
+            <a:fontRef idx="minor">
+              <a:schemeClr val="lt1"/>
+            </a:fontRef>
+          </p:style>
+          <p:txBody>
+            <a:bodyPr rtlCol="0" anchor="ctr"/>
+            <a:lstStyle/>
+            <a:p>
+              <a:pPr algn="ctr"/>
+              <a:endParaRPr lang="zh-TW" altLang="en-US" b="1"/>
+            </a:p>
+          </p:txBody>
+        </p:sp>
+      </p:grpSp>
+      <p:grpSp>
+        <p:nvGrpSpPr>
+          <p:cNvPr id="21" name="群組 20"/>
+          <p:cNvGrpSpPr/>
+          <p:nvPr/>
+        </p:nvGrpSpPr>
+        <p:grpSpPr>
+          <a:xfrm>
+            <a:off x="-2292392" y="-701844"/>
+            <a:ext cx="2160000" cy="540000"/>
+            <a:chOff x="-2292392" y="-701844"/>
+            <a:chExt cx="2160000" cy="540000"/>
+          </a:xfrm>
+        </p:grpSpPr>
+        <p:sp>
+          <p:nvSpPr>
+            <p:cNvPr id="47" name="圓角矩形 46"/>
+            <p:cNvSpPr/>
+            <p:nvPr/>
+          </p:nvSpPr>
+          <p:spPr>
+            <a:xfrm>
+              <a:off x="-2292392" y="-701844"/>
+              <a:ext cx="2160000" cy="540000"/>
+            </a:xfrm>
+            <a:prstGeom prst="roundRect">
+              <a:avLst/>
+            </a:prstGeom>
+            <a:solidFill>
+              <a:schemeClr val="accent3">
+                <a:lumMod val="75000"/>
+              </a:schemeClr>
+            </a:solidFill>
+            <a:effectLst/>
+          </p:spPr>
+          <p:style>
+            <a:lnRef idx="0">
+              <a:schemeClr val="accent3"/>
+            </a:lnRef>
+            <a:fillRef idx="3">
+              <a:schemeClr val="accent3"/>
+            </a:fillRef>
+            <a:effectRef idx="3">
+              <a:schemeClr val="accent3"/>
+            </a:effectRef>
+            <a:fontRef idx="minor">
+              <a:schemeClr val="lt1"/>
+            </a:fontRef>
+          </p:style>
+          <p:txBody>
+            <a:bodyPr lIns="0" tIns="0" rIns="0" bIns="0" rtlCol="0" anchor="ctr"/>
+            <a:lstStyle/>
+            <a:p>
+              <a:pPr algn="ctr"/>
+              <a:r>
+                <a:rPr lang="zh-TW" altLang="en-US" b="1" dirty="0" smtClean="0">
+                  <a:latin typeface="標楷體" pitchFamily="65" charset="-120"/>
+                  <a:ea typeface="標楷體" pitchFamily="65" charset="-120"/>
+                </a:rPr>
+                <a:t>　我</a:t>
+              </a:r>
+              <a:r>
+                <a:rPr lang="zh-TW" altLang="en-US" b="1" dirty="0">
+                  <a:latin typeface="標楷體" pitchFamily="65" charset="-120"/>
+                  <a:ea typeface="標楷體" pitchFamily="65" charset="-120"/>
+                </a:rPr>
+                <a:t>的長官</a:t>
+              </a:r>
+            </a:p>
+          </p:txBody>
+        </p:sp>
+        <p:sp>
+          <p:nvSpPr>
+            <p:cNvPr id="54" name="菱形 53"/>
+            <p:cNvSpPr/>
+            <p:nvPr/>
+          </p:nvSpPr>
+          <p:spPr>
+            <a:xfrm>
+              <a:off x="-2166623" y="-575844"/>
+              <a:ext cx="288000" cy="288000"/>
+            </a:xfrm>
+            <a:prstGeom prst="diamond">
+              <a:avLst/>
+            </a:prstGeom>
+            <a:solidFill>
+              <a:srgbClr val="0070C0"/>
+            </a:solidFill>
+            <a:effectLst/>
+          </p:spPr>
+          <p:style>
+            <a:lnRef idx="2">
+              <a:schemeClr val="accent1">
+                <a:shade val="50000"/>
+              </a:schemeClr>
+            </a:lnRef>
+            <a:fillRef idx="1">
+              <a:schemeClr val="accent1"/>
+            </a:fillRef>
+            <a:effectRef idx="0">
+              <a:schemeClr val="accent1"/>
+            </a:effectRef>
+            <a:fontRef idx="minor">
+              <a:schemeClr val="lt1"/>
+            </a:fontRef>
+          </p:style>
+          <p:txBody>
+            <a:bodyPr rtlCol="0" anchor="ctr"/>
+            <a:lstStyle/>
+            <a:p>
+              <a:pPr algn="ctr"/>
+              <a:endParaRPr lang="zh-TW" altLang="en-US" b="1"/>
+            </a:p>
+          </p:txBody>
+        </p:sp>
+      </p:grpSp>
+      <p:grpSp>
+        <p:nvGrpSpPr>
+          <p:cNvPr id="22" name="群組 21"/>
+          <p:cNvGrpSpPr/>
+          <p:nvPr/>
+        </p:nvGrpSpPr>
+        <p:grpSpPr>
+          <a:xfrm>
+            <a:off x="-2292392" y="-83658"/>
+            <a:ext cx="2160000" cy="540000"/>
+            <a:chOff x="-2292392" y="-83658"/>
+            <a:chExt cx="2160000" cy="540000"/>
+          </a:xfrm>
+        </p:grpSpPr>
+        <p:sp>
+          <p:nvSpPr>
+            <p:cNvPr id="56" name="圓角矩形 55"/>
+            <p:cNvSpPr/>
+            <p:nvPr/>
+          </p:nvSpPr>
+          <p:spPr>
+            <a:xfrm>
+              <a:off x="-2292392" y="-83658"/>
+              <a:ext cx="2160000" cy="540000"/>
+            </a:xfrm>
+            <a:prstGeom prst="roundRect">
+              <a:avLst/>
+            </a:prstGeom>
+            <a:solidFill>
+              <a:schemeClr val="accent3">
+                <a:lumMod val="75000"/>
+              </a:schemeClr>
+            </a:solidFill>
+            <a:effectLst/>
+          </p:spPr>
+          <p:style>
+            <a:lnRef idx="0">
+              <a:schemeClr val="accent3"/>
+            </a:lnRef>
+            <a:fillRef idx="3">
+              <a:schemeClr val="accent3"/>
+            </a:fillRef>
+            <a:effectRef idx="3">
+              <a:schemeClr val="accent3"/>
+            </a:effectRef>
+            <a:fontRef idx="minor">
+              <a:schemeClr val="lt1"/>
+            </a:fontRef>
+          </p:style>
+          <p:txBody>
+            <a:bodyPr lIns="0" tIns="0" rIns="0" bIns="0" rtlCol="0" anchor="ctr"/>
+            <a:lstStyle/>
+            <a:p>
+              <a:pPr algn="ctr"/>
+              <a:r>
+                <a:rPr lang="zh-TW" altLang="en-US" b="1" dirty="0" smtClean="0">
+                  <a:latin typeface="標楷體" pitchFamily="65" charset="-120"/>
+                  <a:ea typeface="標楷體" pitchFamily="65" charset="-120"/>
+                </a:rPr>
+                <a:t>　歷史沿革</a:t>
+              </a:r>
+              <a:endParaRPr lang="zh-TW" altLang="en-US" b="1" dirty="0">
+                <a:latin typeface="標楷體" pitchFamily="65" charset="-120"/>
+                <a:ea typeface="標楷體" pitchFamily="65" charset="-120"/>
+              </a:endParaRPr>
+            </a:p>
+          </p:txBody>
+        </p:sp>
+        <p:sp>
+          <p:nvSpPr>
+            <p:cNvPr id="57" name="菱形 56"/>
+            <p:cNvSpPr/>
+            <p:nvPr/>
+          </p:nvSpPr>
+          <p:spPr>
+            <a:xfrm>
+              <a:off x="-2168044" y="58128"/>
+              <a:ext cx="288000" cy="288000"/>
+            </a:xfrm>
+            <a:prstGeom prst="diamond">
+              <a:avLst/>
+            </a:prstGeom>
+            <a:solidFill>
+              <a:srgbClr val="0070C0"/>
+            </a:solidFill>
+            <a:effectLst/>
+          </p:spPr>
+          <p:style>
+            <a:lnRef idx="2">
+              <a:schemeClr val="accent1">
+                <a:shade val="50000"/>
+              </a:schemeClr>
+            </a:lnRef>
+            <a:fillRef idx="1">
+              <a:schemeClr val="accent1"/>
+            </a:fillRef>
+            <a:effectRef idx="0">
+              <a:schemeClr val="accent1"/>
+            </a:effectRef>
+            <a:fontRef idx="minor">
+              <a:schemeClr val="lt1"/>
+            </a:fontRef>
+          </p:style>
+          <p:txBody>
+            <a:bodyPr rtlCol="0" anchor="ctr"/>
+            <a:lstStyle/>
+            <a:p>
+              <a:pPr algn="ctr"/>
+              <a:endParaRPr lang="zh-TW" altLang="en-US" b="1"/>
+            </a:p>
+          </p:txBody>
+        </p:sp>
+      </p:grpSp>
+      <p:grpSp>
+        <p:nvGrpSpPr>
+          <p:cNvPr id="23" name="群組 22"/>
+          <p:cNvGrpSpPr/>
+          <p:nvPr/>
+        </p:nvGrpSpPr>
+        <p:grpSpPr>
+          <a:xfrm>
+            <a:off x="-2269363" y="510751"/>
+            <a:ext cx="2160000" cy="540000"/>
+            <a:chOff x="-2269363" y="510751"/>
+            <a:chExt cx="2160000" cy="540000"/>
+          </a:xfrm>
+        </p:grpSpPr>
+        <p:sp>
+          <p:nvSpPr>
+            <p:cNvPr id="59" name="圓角矩形 58"/>
+            <p:cNvSpPr/>
+            <p:nvPr/>
+          </p:nvSpPr>
+          <p:spPr>
+            <a:xfrm>
+              <a:off x="-2269363" y="510751"/>
+              <a:ext cx="2160000" cy="540000"/>
+            </a:xfrm>
+            <a:prstGeom prst="roundRect">
+              <a:avLst/>
+            </a:prstGeom>
+            <a:solidFill>
+              <a:schemeClr val="accent3">
+                <a:lumMod val="75000"/>
+              </a:schemeClr>
+            </a:solidFill>
+            <a:effectLst/>
+          </p:spPr>
+          <p:style>
+            <a:lnRef idx="0">
+              <a:schemeClr val="accent3"/>
+            </a:lnRef>
+            <a:fillRef idx="3">
+              <a:schemeClr val="accent3"/>
+            </a:fillRef>
+            <a:effectRef idx="3">
+              <a:schemeClr val="accent3"/>
+            </a:effectRef>
+            <a:fontRef idx="minor">
+              <a:schemeClr val="lt1"/>
+            </a:fontRef>
+          </p:style>
+          <p:txBody>
+            <a:bodyPr lIns="0" tIns="0" rIns="0" bIns="0" rtlCol="0" anchor="ctr"/>
+            <a:lstStyle/>
+            <a:p>
+              <a:pPr algn="ctr"/>
+              <a:r>
+                <a:rPr lang="zh-TW" altLang="en-US" b="1" dirty="0" smtClean="0">
+                  <a:latin typeface="標楷體" pitchFamily="65" charset="-120"/>
+                  <a:ea typeface="標楷體" pitchFamily="65" charset="-120"/>
+                </a:rPr>
+                <a:t>　生活花絮</a:t>
+              </a:r>
+              <a:endParaRPr lang="zh-TW" altLang="en-US" b="1" dirty="0">
+                <a:latin typeface="標楷體" pitchFamily="65" charset="-120"/>
+                <a:ea typeface="標楷體" pitchFamily="65" charset="-120"/>
+              </a:endParaRPr>
+            </a:p>
+          </p:txBody>
+        </p:sp>
+        <p:sp>
+          <p:nvSpPr>
+            <p:cNvPr id="60" name="菱形 59"/>
+            <p:cNvSpPr/>
+            <p:nvPr/>
+          </p:nvSpPr>
+          <p:spPr>
+            <a:xfrm>
+              <a:off x="-2145015" y="636751"/>
+              <a:ext cx="288000" cy="288000"/>
+            </a:xfrm>
+            <a:prstGeom prst="diamond">
+              <a:avLst/>
+            </a:prstGeom>
+            <a:solidFill>
+              <a:srgbClr val="0070C0"/>
+            </a:solidFill>
+            <a:effectLst/>
+          </p:spPr>
+          <p:style>
+            <a:lnRef idx="2">
+              <a:schemeClr val="accent1">
+                <a:shade val="50000"/>
+              </a:schemeClr>
+            </a:lnRef>
+            <a:fillRef idx="1">
+              <a:schemeClr val="accent1"/>
+            </a:fillRef>
+            <a:effectRef idx="0">
+              <a:schemeClr val="accent1"/>
+            </a:effectRef>
+            <a:fontRef idx="minor">
+              <a:schemeClr val="lt1"/>
+            </a:fontRef>
+          </p:style>
+          <p:txBody>
+            <a:bodyPr rtlCol="0" anchor="ctr"/>
+            <a:lstStyle/>
+            <a:p>
+              <a:pPr algn="ctr"/>
+              <a:endParaRPr lang="zh-TW" altLang="en-US" b="1"/>
+            </a:p>
+          </p:txBody>
+        </p:sp>
+      </p:grpSp>
+      <p:grpSp>
+        <p:nvGrpSpPr>
+          <p:cNvPr id="24" name="群組 23"/>
+          <p:cNvGrpSpPr/>
+          <p:nvPr/>
+        </p:nvGrpSpPr>
+        <p:grpSpPr>
+          <a:xfrm>
+            <a:off x="-2242274" y="1229457"/>
+            <a:ext cx="2160000" cy="540000"/>
+            <a:chOff x="-2242274" y="1229457"/>
+            <a:chExt cx="2160000" cy="540000"/>
+          </a:xfrm>
+        </p:grpSpPr>
+        <p:sp>
+          <p:nvSpPr>
+            <p:cNvPr id="62" name="圓角矩形 61"/>
+            <p:cNvSpPr/>
+            <p:nvPr/>
+          </p:nvSpPr>
+          <p:spPr>
+            <a:xfrm>
+              <a:off x="-2242274" y="1229457"/>
+              <a:ext cx="2160000" cy="540000"/>
+            </a:xfrm>
+            <a:prstGeom prst="roundRect">
+              <a:avLst/>
+            </a:prstGeom>
+            <a:solidFill>
+              <a:schemeClr val="accent3">
+                <a:lumMod val="75000"/>
+              </a:schemeClr>
+            </a:solidFill>
+            <a:effectLst/>
+          </p:spPr>
+          <p:style>
+            <a:lnRef idx="0">
+              <a:schemeClr val="accent3"/>
+            </a:lnRef>
+            <a:fillRef idx="3">
+              <a:schemeClr val="accent3"/>
+            </a:fillRef>
+            <a:effectRef idx="3">
+              <a:schemeClr val="accent3"/>
+            </a:effectRef>
+            <a:fontRef idx="minor">
+              <a:schemeClr val="lt1"/>
+            </a:fontRef>
+          </p:style>
+          <p:txBody>
+            <a:bodyPr lIns="0" tIns="0" rIns="0" bIns="0" rtlCol="0" anchor="ctr"/>
+            <a:lstStyle/>
+            <a:p>
+              <a:pPr algn="ctr"/>
+              <a:r>
+                <a:rPr lang="zh-TW" altLang="en-US" b="1" dirty="0" smtClean="0">
+                  <a:latin typeface="標楷體" pitchFamily="65" charset="-120"/>
+                  <a:ea typeface="標楷體" pitchFamily="65" charset="-120"/>
+                </a:rPr>
+                <a:t>　各式通報</a:t>
+              </a:r>
+              <a:endParaRPr lang="zh-TW" altLang="en-US" b="1" dirty="0">
+                <a:latin typeface="標楷體" pitchFamily="65" charset="-120"/>
+                <a:ea typeface="標楷體" pitchFamily="65" charset="-120"/>
+              </a:endParaRPr>
+            </a:p>
+          </p:txBody>
+        </p:sp>
+        <p:sp>
+          <p:nvSpPr>
+            <p:cNvPr id="63" name="菱形 62"/>
+            <p:cNvSpPr/>
+            <p:nvPr/>
+          </p:nvSpPr>
+          <p:spPr>
+            <a:xfrm>
+              <a:off x="-2130222" y="1355457"/>
+              <a:ext cx="288000" cy="288000"/>
+            </a:xfrm>
+            <a:prstGeom prst="diamond">
+              <a:avLst/>
+            </a:prstGeom>
+            <a:solidFill>
+              <a:srgbClr val="0070C0"/>
+            </a:solidFill>
+            <a:effectLst/>
+          </p:spPr>
+          <p:style>
+            <a:lnRef idx="2">
+              <a:schemeClr val="accent1">
+                <a:shade val="50000"/>
+              </a:schemeClr>
+            </a:lnRef>
+            <a:fillRef idx="1">
+              <a:schemeClr val="accent1"/>
+            </a:fillRef>
+            <a:effectRef idx="0">
+              <a:schemeClr val="accent1"/>
+            </a:effectRef>
+            <a:fontRef idx="minor">
+              <a:schemeClr val="lt1"/>
+            </a:fontRef>
+          </p:style>
+          <p:txBody>
+            <a:bodyPr rtlCol="0" anchor="ctr"/>
+            <a:lstStyle/>
+            <a:p>
+              <a:pPr algn="ctr"/>
+              <a:endParaRPr lang="zh-TW" altLang="en-US" b="1"/>
+            </a:p>
+          </p:txBody>
+        </p:sp>
+      </p:grpSp>
+      <p:grpSp>
+        <p:nvGrpSpPr>
+          <p:cNvPr id="25" name="群組 24"/>
+          <p:cNvGrpSpPr/>
+          <p:nvPr/>
+        </p:nvGrpSpPr>
+        <p:grpSpPr>
+          <a:xfrm>
+            <a:off x="-2292392" y="1883794"/>
+            <a:ext cx="2160000" cy="540000"/>
+            <a:chOff x="-2292392" y="1883794"/>
+            <a:chExt cx="2160000" cy="540000"/>
+          </a:xfrm>
+        </p:grpSpPr>
+        <p:sp>
+          <p:nvSpPr>
+            <p:cNvPr id="65" name="圓角矩形 64"/>
+            <p:cNvSpPr/>
+            <p:nvPr/>
+          </p:nvSpPr>
+          <p:spPr>
+            <a:xfrm>
+              <a:off x="-2292392" y="1883794"/>
+              <a:ext cx="2160000" cy="540000"/>
+            </a:xfrm>
+            <a:prstGeom prst="roundRect">
+              <a:avLst/>
+            </a:prstGeom>
+            <a:solidFill>
+              <a:schemeClr val="accent3">
+                <a:lumMod val="75000"/>
+              </a:schemeClr>
+            </a:solidFill>
+            <a:effectLst/>
+          </p:spPr>
+          <p:style>
+            <a:lnRef idx="0">
+              <a:schemeClr val="accent3"/>
+            </a:lnRef>
+            <a:fillRef idx="3">
+              <a:schemeClr val="accent3"/>
+            </a:fillRef>
+            <a:effectRef idx="3">
+              <a:schemeClr val="accent3"/>
+            </a:effectRef>
+            <a:fontRef idx="minor">
+              <a:schemeClr val="lt1"/>
+            </a:fontRef>
+          </p:style>
+          <p:txBody>
+            <a:bodyPr lIns="0" tIns="0" rIns="0" bIns="0" rtlCol="0" anchor="ctr"/>
+            <a:lstStyle/>
+            <a:p>
+              <a:pPr algn="ctr"/>
+              <a:r>
+                <a:rPr lang="zh-TW" altLang="en-US" b="1" dirty="0" smtClean="0">
+                  <a:latin typeface="標楷體" pitchFamily="65" charset="-120"/>
+                  <a:ea typeface="標楷體" pitchFamily="65" charset="-120"/>
+                </a:rPr>
+                <a:t>　各式計畫</a:t>
+              </a:r>
+              <a:endParaRPr lang="zh-TW" altLang="en-US" b="1" dirty="0">
+                <a:latin typeface="標楷體" pitchFamily="65" charset="-120"/>
+                <a:ea typeface="標楷體" pitchFamily="65" charset="-120"/>
+              </a:endParaRPr>
+            </a:p>
+          </p:txBody>
+        </p:sp>
+        <p:sp>
+          <p:nvSpPr>
+            <p:cNvPr id="66" name="菱形 65"/>
+            <p:cNvSpPr/>
+            <p:nvPr/>
+          </p:nvSpPr>
+          <p:spPr>
+            <a:xfrm>
+              <a:off x="-2180340" y="2009794"/>
+              <a:ext cx="288000" cy="288000"/>
+            </a:xfrm>
+            <a:prstGeom prst="diamond">
+              <a:avLst/>
+            </a:prstGeom>
+            <a:solidFill>
+              <a:srgbClr val="0070C0"/>
+            </a:solidFill>
+            <a:effectLst/>
+          </p:spPr>
+          <p:style>
+            <a:lnRef idx="2">
+              <a:schemeClr val="accent1">
+                <a:shade val="50000"/>
+              </a:schemeClr>
+            </a:lnRef>
+            <a:fillRef idx="1">
+              <a:schemeClr val="accent1"/>
+            </a:fillRef>
+            <a:effectRef idx="0">
+              <a:schemeClr val="accent1"/>
+            </a:effectRef>
+            <a:fontRef idx="minor">
+              <a:schemeClr val="lt1"/>
+            </a:fontRef>
+          </p:style>
+          <p:txBody>
+            <a:bodyPr rtlCol="0" anchor="ctr"/>
+            <a:lstStyle/>
+            <a:p>
+              <a:pPr algn="ctr"/>
+              <a:endParaRPr lang="zh-TW" altLang="en-US" b="1"/>
+            </a:p>
+          </p:txBody>
+        </p:sp>
+      </p:grpSp>
+      <p:grpSp>
+        <p:nvGrpSpPr>
+          <p:cNvPr id="26" name="群組 25"/>
+          <p:cNvGrpSpPr/>
+          <p:nvPr/>
+        </p:nvGrpSpPr>
+        <p:grpSpPr>
+          <a:xfrm>
+            <a:off x="-2260979" y="2615180"/>
+            <a:ext cx="2160000" cy="540000"/>
+            <a:chOff x="-2260979" y="2615180"/>
+            <a:chExt cx="2160000" cy="540000"/>
+          </a:xfrm>
+        </p:grpSpPr>
+        <p:sp>
+          <p:nvSpPr>
+            <p:cNvPr id="68" name="圓角矩形 67"/>
+            <p:cNvSpPr/>
+            <p:nvPr/>
+          </p:nvSpPr>
+          <p:spPr>
+            <a:xfrm>
+              <a:off x="-2260979" y="2615180"/>
+              <a:ext cx="2160000" cy="540000"/>
+            </a:xfrm>
+            <a:prstGeom prst="roundRect">
+              <a:avLst/>
+            </a:prstGeom>
+            <a:solidFill>
+              <a:schemeClr val="accent3">
+                <a:lumMod val="75000"/>
+              </a:schemeClr>
+            </a:solidFill>
+            <a:effectLst/>
+          </p:spPr>
+          <p:style>
+            <a:lnRef idx="0">
+              <a:schemeClr val="accent3"/>
+            </a:lnRef>
+            <a:fillRef idx="3">
+              <a:schemeClr val="accent3"/>
+            </a:fillRef>
+            <a:effectRef idx="3">
+              <a:schemeClr val="accent3"/>
+            </a:effectRef>
+            <a:fontRef idx="minor">
+              <a:schemeClr val="lt1"/>
+            </a:fontRef>
+          </p:style>
+          <p:txBody>
+            <a:bodyPr lIns="0" tIns="0" rIns="0" bIns="0" rtlCol="0" anchor="ctr"/>
+            <a:lstStyle/>
+            <a:p>
+              <a:pPr algn="ctr"/>
+              <a:r>
+                <a:rPr lang="zh-TW" altLang="en-US" b="1" dirty="0" smtClean="0">
+                  <a:latin typeface="標楷體" pitchFamily="65" charset="-120"/>
+                  <a:ea typeface="標楷體" pitchFamily="65" charset="-120"/>
+                </a:rPr>
+                <a:t>　檔案下載</a:t>
+              </a:r>
+              <a:endParaRPr lang="zh-TW" altLang="en-US" b="1" dirty="0">
+                <a:latin typeface="標楷體" pitchFamily="65" charset="-120"/>
+                <a:ea typeface="標楷體" pitchFamily="65" charset="-120"/>
+              </a:endParaRPr>
+            </a:p>
+          </p:txBody>
+        </p:sp>
+        <p:sp>
+          <p:nvSpPr>
+            <p:cNvPr id="69" name="菱形 68"/>
+            <p:cNvSpPr/>
+            <p:nvPr/>
+          </p:nvSpPr>
+          <p:spPr>
+            <a:xfrm>
+              <a:off x="-2100029" y="2741180"/>
+              <a:ext cx="288000" cy="288000"/>
+            </a:xfrm>
+            <a:prstGeom prst="diamond">
+              <a:avLst/>
+            </a:prstGeom>
+            <a:solidFill>
+              <a:srgbClr val="0070C0"/>
+            </a:solidFill>
+            <a:effectLst/>
+          </p:spPr>
+          <p:style>
+            <a:lnRef idx="2">
+              <a:schemeClr val="accent1">
+                <a:shade val="50000"/>
+              </a:schemeClr>
+            </a:lnRef>
+            <a:fillRef idx="1">
+              <a:schemeClr val="accent1"/>
+            </a:fillRef>
+            <a:effectRef idx="0">
+              <a:schemeClr val="accent1"/>
+            </a:effectRef>
+            <a:fontRef idx="minor">
+              <a:schemeClr val="lt1"/>
+            </a:fontRef>
+          </p:style>
+          <p:txBody>
+            <a:bodyPr rtlCol="0" anchor="ctr"/>
+            <a:lstStyle/>
+            <a:p>
+              <a:pPr algn="ctr"/>
+              <a:endParaRPr lang="zh-TW" altLang="en-US" b="1"/>
+            </a:p>
+          </p:txBody>
+        </p:sp>
+      </p:grpSp>
+      <p:grpSp>
+        <p:nvGrpSpPr>
+          <p:cNvPr id="27" name="群組 26"/>
+          <p:cNvGrpSpPr/>
+          <p:nvPr/>
+        </p:nvGrpSpPr>
+        <p:grpSpPr>
+          <a:xfrm>
+            <a:off x="-2292392" y="3299180"/>
+            <a:ext cx="2160000" cy="540000"/>
+            <a:chOff x="-2292392" y="3299180"/>
+            <a:chExt cx="2160000" cy="540000"/>
+          </a:xfrm>
+        </p:grpSpPr>
+        <p:sp>
+          <p:nvSpPr>
+            <p:cNvPr id="71" name="圓角矩形 70"/>
+            <p:cNvSpPr/>
+            <p:nvPr/>
+          </p:nvSpPr>
+          <p:spPr>
+            <a:xfrm>
+              <a:off x="-2292392" y="3299180"/>
+              <a:ext cx="2160000" cy="540000"/>
+            </a:xfrm>
+            <a:prstGeom prst="roundRect">
+              <a:avLst/>
+            </a:prstGeom>
+            <a:solidFill>
+              <a:schemeClr val="accent3">
+                <a:lumMod val="75000"/>
+              </a:schemeClr>
+            </a:solidFill>
+            <a:effectLst/>
+          </p:spPr>
+          <p:style>
+            <a:lnRef idx="0">
+              <a:schemeClr val="accent3"/>
+            </a:lnRef>
+            <a:fillRef idx="3">
+              <a:schemeClr val="accent3"/>
+            </a:fillRef>
+            <a:effectRef idx="3">
+              <a:schemeClr val="accent3"/>
+            </a:effectRef>
+            <a:fontRef idx="minor">
+              <a:schemeClr val="lt1"/>
+            </a:fontRef>
+          </p:style>
+          <p:txBody>
+            <a:bodyPr lIns="0" tIns="0" rIns="0" bIns="0" rtlCol="0" anchor="ctr"/>
+            <a:lstStyle/>
+            <a:p>
+              <a:pPr algn="ctr"/>
+              <a:r>
+                <a:rPr lang="zh-TW" altLang="en-US" b="1" dirty="0" smtClean="0">
+                  <a:latin typeface="標楷體" pitchFamily="65" charset="-120"/>
+                  <a:ea typeface="標楷體" pitchFamily="65" charset="-120"/>
+                </a:rPr>
+                <a:t>　網網相連</a:t>
+              </a:r>
+              <a:endParaRPr lang="zh-TW" altLang="en-US" b="1" dirty="0">
+                <a:latin typeface="標楷體" pitchFamily="65" charset="-120"/>
+                <a:ea typeface="標楷體" pitchFamily="65" charset="-120"/>
+              </a:endParaRPr>
+            </a:p>
+          </p:txBody>
+        </p:sp>
+        <p:sp>
+          <p:nvSpPr>
+            <p:cNvPr id="72" name="菱形 71"/>
+            <p:cNvSpPr/>
+            <p:nvPr/>
+          </p:nvSpPr>
+          <p:spPr>
+            <a:xfrm>
+              <a:off x="-2175007" y="3425180"/>
+              <a:ext cx="288000" cy="288000"/>
+            </a:xfrm>
+            <a:prstGeom prst="diamond">
+              <a:avLst/>
+            </a:prstGeom>
+            <a:solidFill>
+              <a:srgbClr val="0070C0"/>
+            </a:solidFill>
+            <a:effectLst/>
+          </p:spPr>
+          <p:style>
+            <a:lnRef idx="2">
+              <a:schemeClr val="accent1">
+                <a:shade val="50000"/>
+              </a:schemeClr>
+            </a:lnRef>
+            <a:fillRef idx="1">
+              <a:schemeClr val="accent1"/>
+            </a:fillRef>
+            <a:effectRef idx="0">
+              <a:schemeClr val="accent1"/>
+            </a:effectRef>
+            <a:fontRef idx="minor">
+              <a:schemeClr val="lt1"/>
+            </a:fontRef>
+          </p:style>
+          <p:txBody>
+            <a:bodyPr rtlCol="0" anchor="ctr"/>
+            <a:lstStyle/>
+            <a:p>
+              <a:pPr algn="ctr"/>
+              <a:endParaRPr lang="zh-TW" altLang="en-US" b="1"/>
+            </a:p>
+          </p:txBody>
+        </p:sp>
+      </p:grpSp>
+      <p:grpSp>
+        <p:nvGrpSpPr>
+          <p:cNvPr id="29" name="群組 28"/>
+          <p:cNvGrpSpPr/>
+          <p:nvPr/>
+        </p:nvGrpSpPr>
+        <p:grpSpPr>
+          <a:xfrm>
+            <a:off x="-2279072" y="3975082"/>
+            <a:ext cx="2160000" cy="540000"/>
+            <a:chOff x="-2279072" y="3975082"/>
+            <a:chExt cx="2160000" cy="540000"/>
+          </a:xfrm>
+        </p:grpSpPr>
+        <p:sp>
+          <p:nvSpPr>
+            <p:cNvPr id="75" name="圓角矩形 74"/>
+            <p:cNvSpPr/>
+            <p:nvPr/>
+          </p:nvSpPr>
+          <p:spPr>
+            <a:xfrm>
+              <a:off x="-2279072" y="3975082"/>
+              <a:ext cx="2160000" cy="540000"/>
+            </a:xfrm>
+            <a:prstGeom prst="roundRect">
+              <a:avLst/>
+            </a:prstGeom>
+            <a:solidFill>
+              <a:schemeClr val="accent3">
+                <a:lumMod val="75000"/>
+              </a:schemeClr>
+            </a:solidFill>
+            <a:effectLst/>
+          </p:spPr>
+          <p:style>
+            <a:lnRef idx="0">
+              <a:schemeClr val="accent3"/>
+            </a:lnRef>
+            <a:fillRef idx="3">
+              <a:schemeClr val="accent3"/>
+            </a:fillRef>
+            <a:effectRef idx="3">
+              <a:schemeClr val="accent3"/>
+            </a:effectRef>
+            <a:fontRef idx="minor">
+              <a:schemeClr val="lt1"/>
+            </a:fontRef>
+          </p:style>
+          <p:txBody>
+            <a:bodyPr lIns="0" tIns="0" rIns="0" bIns="0" rtlCol="0" anchor="ctr"/>
+            <a:lstStyle/>
+            <a:p>
+              <a:pPr algn="ctr"/>
+              <a:r>
+                <a:rPr lang="zh-TW" altLang="en-US" b="1" dirty="0" smtClean="0">
+                  <a:latin typeface="標楷體" pitchFamily="65" charset="-120"/>
+                  <a:ea typeface="標楷體" pitchFamily="65" charset="-120"/>
+                </a:rPr>
+                <a:t>　工作管制表</a:t>
+              </a:r>
+              <a:endParaRPr lang="zh-TW" altLang="en-US" b="1" dirty="0">
+                <a:latin typeface="標楷體" pitchFamily="65" charset="-120"/>
+                <a:ea typeface="標楷體" pitchFamily="65" charset="-120"/>
+              </a:endParaRPr>
+            </a:p>
+          </p:txBody>
+        </p:sp>
+        <p:sp>
+          <p:nvSpPr>
+            <p:cNvPr id="76" name="菱形 75"/>
+            <p:cNvSpPr/>
+            <p:nvPr/>
+          </p:nvSpPr>
+          <p:spPr>
+            <a:xfrm>
+              <a:off x="-2115293" y="4101082"/>
+              <a:ext cx="288000" cy="288000"/>
+            </a:xfrm>
+            <a:prstGeom prst="diamond">
+              <a:avLst/>
+            </a:prstGeom>
+            <a:solidFill>
+              <a:srgbClr val="0070C0"/>
+            </a:solidFill>
+            <a:effectLst/>
+          </p:spPr>
+          <p:style>
+            <a:lnRef idx="2">
+              <a:schemeClr val="accent1">
+                <a:shade val="50000"/>
+              </a:schemeClr>
+            </a:lnRef>
+            <a:fillRef idx="1">
+              <a:schemeClr val="accent1"/>
+            </a:fillRef>
+            <a:effectRef idx="0">
+              <a:schemeClr val="accent1"/>
+            </a:effectRef>
+            <a:fontRef idx="minor">
+              <a:schemeClr val="lt1"/>
+            </a:fontRef>
+          </p:style>
+          <p:txBody>
+            <a:bodyPr rtlCol="0" anchor="ctr"/>
+            <a:lstStyle/>
+            <a:p>
+              <a:pPr algn="ctr"/>
+              <a:endParaRPr lang="zh-TW" altLang="en-US" b="1"/>
+            </a:p>
+          </p:txBody>
+        </p:sp>
+      </p:grpSp>
+      <p:grpSp>
+        <p:nvGrpSpPr>
+          <p:cNvPr id="33" name="群組 32"/>
+          <p:cNvGrpSpPr/>
+          <p:nvPr/>
+        </p:nvGrpSpPr>
+        <p:grpSpPr>
+          <a:xfrm>
+            <a:off x="-2271223" y="4667677"/>
+            <a:ext cx="2160000" cy="540000"/>
+            <a:chOff x="-2271223" y="4667677"/>
+            <a:chExt cx="2160000" cy="540000"/>
+          </a:xfrm>
+        </p:grpSpPr>
+        <p:sp>
+          <p:nvSpPr>
+            <p:cNvPr id="78" name="圓角矩形 77"/>
+            <p:cNvSpPr/>
+            <p:nvPr/>
+          </p:nvSpPr>
+          <p:spPr>
+            <a:xfrm>
+              <a:off x="-2271223" y="4667677"/>
+              <a:ext cx="2160000" cy="540000"/>
+            </a:xfrm>
+            <a:prstGeom prst="roundRect">
+              <a:avLst/>
+            </a:prstGeom>
+            <a:solidFill>
+              <a:schemeClr val="accent3">
+                <a:lumMod val="75000"/>
+              </a:schemeClr>
+            </a:solidFill>
+            <a:effectLst/>
+          </p:spPr>
+          <p:style>
+            <a:lnRef idx="0">
+              <a:schemeClr val="accent3"/>
+            </a:lnRef>
+            <a:fillRef idx="3">
+              <a:schemeClr val="accent3"/>
+            </a:fillRef>
+            <a:effectRef idx="3">
+              <a:schemeClr val="accent3"/>
+            </a:effectRef>
+            <a:fontRef idx="minor">
+              <a:schemeClr val="lt1"/>
+            </a:fontRef>
+          </p:style>
+          <p:txBody>
+            <a:bodyPr lIns="0" tIns="0" rIns="0" bIns="0" rtlCol="0" anchor="ctr"/>
+            <a:lstStyle/>
+            <a:p>
+              <a:pPr algn="ctr"/>
+              <a:r>
+                <a:rPr lang="zh-TW" altLang="en-US" b="1" dirty="0" smtClean="0">
+                  <a:latin typeface="標楷體" pitchFamily="65" charset="-120"/>
+                  <a:ea typeface="標楷體" pitchFamily="65" charset="-120"/>
+                </a:rPr>
+                <a:t>　 健康</a:t>
+              </a:r>
+              <a:r>
+                <a:rPr lang="zh-TW" altLang="en-US" b="1" dirty="0">
+                  <a:latin typeface="標楷體" pitchFamily="65" charset="-120"/>
+                  <a:ea typeface="標楷體" pitchFamily="65" charset="-120"/>
+                </a:rPr>
+                <a:t>管理系統</a:t>
+              </a:r>
+            </a:p>
+          </p:txBody>
+        </p:sp>
+        <p:sp>
+          <p:nvSpPr>
+            <p:cNvPr id="79" name="菱形 78"/>
+            <p:cNvSpPr/>
+            <p:nvPr/>
+          </p:nvSpPr>
+          <p:spPr>
+            <a:xfrm>
+              <a:off x="-2107444" y="4793677"/>
+              <a:ext cx="288000" cy="288000"/>
+            </a:xfrm>
+            <a:prstGeom prst="diamond">
+              <a:avLst/>
+            </a:prstGeom>
+            <a:solidFill>
+              <a:srgbClr val="0070C0"/>
+            </a:solidFill>
+            <a:effectLst/>
+          </p:spPr>
+          <p:style>
+            <a:lnRef idx="2">
+              <a:schemeClr val="accent1">
+                <a:shade val="50000"/>
+              </a:schemeClr>
+            </a:lnRef>
+            <a:fillRef idx="1">
+              <a:schemeClr val="accent1"/>
+            </a:fillRef>
+            <a:effectRef idx="0">
+              <a:schemeClr val="accent1"/>
+            </a:effectRef>
+            <a:fontRef idx="minor">
+              <a:schemeClr val="lt1"/>
+            </a:fontRef>
+          </p:style>
+          <p:txBody>
+            <a:bodyPr rtlCol="0" anchor="ctr"/>
+            <a:lstStyle/>
+            <a:p>
+              <a:pPr algn="ctr"/>
+              <a:endParaRPr lang="zh-TW" altLang="en-US" b="1"/>
+            </a:p>
+          </p:txBody>
+        </p:sp>
+      </p:grpSp>
+      <p:grpSp>
+        <p:nvGrpSpPr>
+          <p:cNvPr id="89" name="群組 88"/>
+          <p:cNvGrpSpPr/>
+          <p:nvPr/>
+        </p:nvGrpSpPr>
+        <p:grpSpPr>
+          <a:xfrm>
+            <a:off x="-2279072" y="5376472"/>
+            <a:ext cx="2160000" cy="540000"/>
+            <a:chOff x="-2279072" y="5376472"/>
+            <a:chExt cx="2160000" cy="540000"/>
+          </a:xfrm>
+        </p:grpSpPr>
+        <p:sp>
+          <p:nvSpPr>
+            <p:cNvPr id="81" name="圓角矩形 80"/>
+            <p:cNvSpPr/>
+            <p:nvPr/>
+          </p:nvSpPr>
+          <p:spPr>
+            <a:xfrm>
+              <a:off x="-2279072" y="5376472"/>
+              <a:ext cx="2160000" cy="540000"/>
+            </a:xfrm>
+            <a:prstGeom prst="roundRect">
+              <a:avLst/>
+            </a:prstGeom>
+            <a:solidFill>
+              <a:schemeClr val="accent3">
+                <a:lumMod val="75000"/>
+              </a:schemeClr>
+            </a:solidFill>
+            <a:effectLst/>
+          </p:spPr>
+          <p:style>
+            <a:lnRef idx="0">
+              <a:schemeClr val="accent3"/>
+            </a:lnRef>
+            <a:fillRef idx="3">
+              <a:schemeClr val="accent3"/>
+            </a:fillRef>
+            <a:effectRef idx="3">
+              <a:schemeClr val="accent3"/>
+            </a:effectRef>
+            <a:fontRef idx="minor">
+              <a:schemeClr val="lt1"/>
+            </a:fontRef>
+          </p:style>
+          <p:txBody>
+            <a:bodyPr lIns="0" tIns="0" rIns="0" bIns="0" rtlCol="0" anchor="ctr"/>
+            <a:lstStyle/>
+            <a:p>
+              <a:pPr algn="ctr"/>
+              <a:r>
+                <a:rPr lang="zh-TW" altLang="en-US" b="1" dirty="0" smtClean="0">
+                  <a:latin typeface="標楷體" pitchFamily="65" charset="-120"/>
+                  <a:ea typeface="標楷體" pitchFamily="65" charset="-120"/>
+                </a:rPr>
+                <a:t>　歷任旅長</a:t>
+              </a:r>
+              <a:endParaRPr lang="zh-TW" altLang="en-US" b="1" dirty="0">
+                <a:latin typeface="標楷體" pitchFamily="65" charset="-120"/>
+                <a:ea typeface="標楷體" pitchFamily="65" charset="-120"/>
+              </a:endParaRPr>
+            </a:p>
+          </p:txBody>
+        </p:sp>
+        <p:sp>
+          <p:nvSpPr>
+            <p:cNvPr id="82" name="菱形 81"/>
+            <p:cNvSpPr/>
+            <p:nvPr/>
+          </p:nvSpPr>
+          <p:spPr>
+            <a:xfrm>
+              <a:off x="-2153303" y="5502472"/>
+              <a:ext cx="288000" cy="288000"/>
+            </a:xfrm>
+            <a:prstGeom prst="diamond">
+              <a:avLst/>
+            </a:prstGeom>
+            <a:solidFill>
+              <a:srgbClr val="0070C0"/>
+            </a:solidFill>
+            <a:effectLst/>
+          </p:spPr>
+          <p:style>
+            <a:lnRef idx="2">
+              <a:schemeClr val="accent1">
+                <a:shade val="50000"/>
+              </a:schemeClr>
+            </a:lnRef>
+            <a:fillRef idx="1">
+              <a:schemeClr val="accent1"/>
+            </a:fillRef>
+            <a:effectRef idx="0">
+              <a:schemeClr val="accent1"/>
+            </a:effectRef>
+            <a:fontRef idx="minor">
+              <a:schemeClr val="lt1"/>
+            </a:fontRef>
+          </p:style>
+          <p:txBody>
+            <a:bodyPr rtlCol="0" anchor="ctr"/>
+            <a:lstStyle/>
+            <a:p>
+              <a:pPr algn="ctr"/>
+              <a:endParaRPr lang="zh-TW" altLang="en-US" b="1"/>
+            </a:p>
+          </p:txBody>
+        </p:sp>
+      </p:grpSp>
+      <p:grpSp>
+        <p:nvGrpSpPr>
+          <p:cNvPr id="91" name="群組 90"/>
+          <p:cNvGrpSpPr/>
+          <p:nvPr/>
+        </p:nvGrpSpPr>
+        <p:grpSpPr>
+          <a:xfrm>
+            <a:off x="-2271223" y="6588000"/>
+            <a:ext cx="2160000" cy="540000"/>
+            <a:chOff x="-2271223" y="6588000"/>
+            <a:chExt cx="2160000" cy="540000"/>
+          </a:xfrm>
+        </p:grpSpPr>
+        <p:sp>
+          <p:nvSpPr>
+            <p:cNvPr id="84" name="圓角矩形 83"/>
+            <p:cNvSpPr/>
+            <p:nvPr/>
+          </p:nvSpPr>
+          <p:spPr>
+            <a:xfrm>
+              <a:off x="-2271223" y="6588000"/>
+              <a:ext cx="2160000" cy="540000"/>
+            </a:xfrm>
+            <a:prstGeom prst="roundRect">
+              <a:avLst/>
+            </a:prstGeom>
+            <a:solidFill>
+              <a:schemeClr val="accent3">
+                <a:lumMod val="75000"/>
+              </a:schemeClr>
+            </a:solidFill>
+            <a:effectLst/>
+          </p:spPr>
+          <p:style>
+            <a:lnRef idx="0">
+              <a:schemeClr val="accent3"/>
+            </a:lnRef>
+            <a:fillRef idx="3">
+              <a:schemeClr val="accent3"/>
+            </a:fillRef>
+            <a:effectRef idx="3">
+              <a:schemeClr val="accent3"/>
+            </a:effectRef>
+            <a:fontRef idx="minor">
+              <a:schemeClr val="lt1"/>
+            </a:fontRef>
+          </p:style>
+          <p:txBody>
+            <a:bodyPr lIns="0" tIns="0" rIns="0" bIns="0" rtlCol="0" anchor="ctr"/>
+            <a:lstStyle/>
+            <a:p>
+              <a:pPr algn="ctr"/>
+              <a:r>
+                <a:rPr lang="zh-TW" altLang="en-US" b="1" dirty="0" smtClean="0">
+                  <a:latin typeface="標楷體" pitchFamily="65" charset="-120"/>
+                  <a:ea typeface="標楷體" pitchFamily="65" charset="-120"/>
+                </a:rPr>
+                <a:t>　 基本體能測驗</a:t>
+              </a:r>
+              <a:endParaRPr lang="zh-TW" altLang="en-US" b="1" dirty="0">
+                <a:latin typeface="標楷體" pitchFamily="65" charset="-120"/>
+                <a:ea typeface="標楷體" pitchFamily="65" charset="-120"/>
+              </a:endParaRPr>
+            </a:p>
+          </p:txBody>
+        </p:sp>
+        <p:sp>
+          <p:nvSpPr>
+            <p:cNvPr id="85" name="菱形 84"/>
+            <p:cNvSpPr/>
+            <p:nvPr/>
+          </p:nvSpPr>
+          <p:spPr>
+            <a:xfrm>
+              <a:off x="-2107444" y="6714000"/>
+              <a:ext cx="288000" cy="288000"/>
+            </a:xfrm>
+            <a:prstGeom prst="diamond">
+              <a:avLst/>
+            </a:prstGeom>
+            <a:solidFill>
+              <a:srgbClr val="0070C0"/>
+            </a:solidFill>
+            <a:effectLst/>
+          </p:spPr>
+          <p:style>
+            <a:lnRef idx="2">
+              <a:schemeClr val="accent1">
+                <a:shade val="50000"/>
+              </a:schemeClr>
+            </a:lnRef>
+            <a:fillRef idx="1">
+              <a:schemeClr val="accent1"/>
+            </a:fillRef>
+            <a:effectRef idx="0">
+              <a:schemeClr val="accent1"/>
+            </a:effectRef>
+            <a:fontRef idx="minor">
+              <a:schemeClr val="lt1"/>
+            </a:fontRef>
+          </p:style>
+          <p:txBody>
+            <a:bodyPr rtlCol="0" anchor="ctr"/>
+            <a:lstStyle/>
+            <a:p>
+              <a:pPr algn="ctr"/>
+              <a:endParaRPr lang="zh-TW" altLang="en-US" b="1"/>
+            </a:p>
+          </p:txBody>
+        </p:sp>
+      </p:grpSp>
+      <p:grpSp>
+        <p:nvGrpSpPr>
+          <p:cNvPr id="90" name="群組 89"/>
+          <p:cNvGrpSpPr/>
+          <p:nvPr/>
+        </p:nvGrpSpPr>
+        <p:grpSpPr>
+          <a:xfrm>
+            <a:off x="-2292392" y="5998533"/>
+            <a:ext cx="2160000" cy="540000"/>
+            <a:chOff x="-2292392" y="5998533"/>
+            <a:chExt cx="2160000" cy="540000"/>
+          </a:xfrm>
+        </p:grpSpPr>
+        <p:sp>
+          <p:nvSpPr>
+            <p:cNvPr id="87" name="圓角矩形 86"/>
+            <p:cNvSpPr/>
+            <p:nvPr/>
+          </p:nvSpPr>
+          <p:spPr>
+            <a:xfrm>
+              <a:off x="-2292392" y="5998533"/>
+              <a:ext cx="2160000" cy="540000"/>
+            </a:xfrm>
+            <a:prstGeom prst="roundRect">
+              <a:avLst/>
+            </a:prstGeom>
+            <a:solidFill>
+              <a:schemeClr val="accent3">
+                <a:lumMod val="75000"/>
+              </a:schemeClr>
+            </a:solidFill>
+            <a:effectLst/>
+          </p:spPr>
+          <p:style>
+            <a:lnRef idx="0">
+              <a:schemeClr val="accent3"/>
+            </a:lnRef>
+            <a:fillRef idx="3">
+              <a:schemeClr val="accent3"/>
+            </a:fillRef>
+            <a:effectRef idx="3">
+              <a:schemeClr val="accent3"/>
+            </a:effectRef>
+            <a:fontRef idx="minor">
+              <a:schemeClr val="lt1"/>
+            </a:fontRef>
+          </p:style>
+          <p:txBody>
+            <a:bodyPr lIns="0" tIns="0" rIns="0" bIns="0" rtlCol="0" anchor="ctr"/>
+            <a:lstStyle/>
+            <a:p>
+              <a:pPr algn="ctr"/>
+              <a:r>
+                <a:rPr lang="zh-TW" altLang="en-US" b="1" dirty="0" smtClean="0">
+                  <a:latin typeface="標楷體" pitchFamily="65" charset="-120"/>
+                  <a:ea typeface="標楷體" pitchFamily="65" charset="-120"/>
+                </a:rPr>
+                <a:t>　 陸軍電子郵件</a:t>
+              </a:r>
+              <a:endParaRPr lang="zh-TW" altLang="en-US" b="1" dirty="0">
+                <a:latin typeface="標楷體" pitchFamily="65" charset="-120"/>
+                <a:ea typeface="標楷體" pitchFamily="65" charset="-120"/>
+              </a:endParaRPr>
+            </a:p>
+          </p:txBody>
+        </p:sp>
+        <p:sp>
+          <p:nvSpPr>
+            <p:cNvPr id="88" name="菱形 87"/>
+            <p:cNvSpPr/>
+            <p:nvPr/>
+          </p:nvSpPr>
+          <p:spPr>
+            <a:xfrm>
+              <a:off x="-2128613" y="6124533"/>
+              <a:ext cx="288000" cy="288000"/>
+            </a:xfrm>
+            <a:prstGeom prst="diamond">
+              <a:avLst/>
+            </a:prstGeom>
+            <a:solidFill>
+              <a:srgbClr val="0070C0"/>
+            </a:solidFill>
             <a:effectLst/>
           </p:spPr>
           <p:style>

--- a/images/_makingIMG.pptx
+++ b/images/_makingIMG.pptx
@@ -288,7 +288,7 @@
           <a:p>
             <a:fld id="{D385F7C1-84E1-41C1-9FDC-9163D8A4981F}" type="datetimeFigureOut">
               <a:rPr lang="zh-TW" altLang="en-US" smtClean="0"/>
-              <a:t>2021/6/13</a:t>
+              <a:t>2021/6/14</a:t>
             </a:fld>
             <a:endParaRPr lang="zh-TW" altLang="en-US"/>
           </a:p>
@@ -458,7 +458,7 @@
           <a:p>
             <a:fld id="{D385F7C1-84E1-41C1-9FDC-9163D8A4981F}" type="datetimeFigureOut">
               <a:rPr lang="zh-TW" altLang="en-US" smtClean="0"/>
-              <a:t>2021/6/13</a:t>
+              <a:t>2021/6/14</a:t>
             </a:fld>
             <a:endParaRPr lang="zh-TW" altLang="en-US"/>
           </a:p>
@@ -638,7 +638,7 @@
           <a:p>
             <a:fld id="{D385F7C1-84E1-41C1-9FDC-9163D8A4981F}" type="datetimeFigureOut">
               <a:rPr lang="zh-TW" altLang="en-US" smtClean="0"/>
-              <a:t>2021/6/13</a:t>
+              <a:t>2021/6/14</a:t>
             </a:fld>
             <a:endParaRPr lang="zh-TW" altLang="en-US"/>
           </a:p>
@@ -808,7 +808,7 @@
           <a:p>
             <a:fld id="{D385F7C1-84E1-41C1-9FDC-9163D8A4981F}" type="datetimeFigureOut">
               <a:rPr lang="zh-TW" altLang="en-US" smtClean="0"/>
-              <a:t>2021/6/13</a:t>
+              <a:t>2021/6/14</a:t>
             </a:fld>
             <a:endParaRPr lang="zh-TW" altLang="en-US"/>
           </a:p>
@@ -1054,7 +1054,7 @@
           <a:p>
             <a:fld id="{D385F7C1-84E1-41C1-9FDC-9163D8A4981F}" type="datetimeFigureOut">
               <a:rPr lang="zh-TW" altLang="en-US" smtClean="0"/>
-              <a:t>2021/6/13</a:t>
+              <a:t>2021/6/14</a:t>
             </a:fld>
             <a:endParaRPr lang="zh-TW" altLang="en-US"/>
           </a:p>
@@ -1342,7 +1342,7 @@
           <a:p>
             <a:fld id="{D385F7C1-84E1-41C1-9FDC-9163D8A4981F}" type="datetimeFigureOut">
               <a:rPr lang="zh-TW" altLang="en-US" smtClean="0"/>
-              <a:t>2021/6/13</a:t>
+              <a:t>2021/6/14</a:t>
             </a:fld>
             <a:endParaRPr lang="zh-TW" altLang="en-US"/>
           </a:p>
@@ -1764,7 +1764,7 @@
           <a:p>
             <a:fld id="{D385F7C1-84E1-41C1-9FDC-9163D8A4981F}" type="datetimeFigureOut">
               <a:rPr lang="zh-TW" altLang="en-US" smtClean="0"/>
-              <a:t>2021/6/13</a:t>
+              <a:t>2021/6/14</a:t>
             </a:fld>
             <a:endParaRPr lang="zh-TW" altLang="en-US"/>
           </a:p>
@@ -1882,7 +1882,7 @@
           <a:p>
             <a:fld id="{D385F7C1-84E1-41C1-9FDC-9163D8A4981F}" type="datetimeFigureOut">
               <a:rPr lang="zh-TW" altLang="en-US" smtClean="0"/>
-              <a:t>2021/6/13</a:t>
+              <a:t>2021/6/14</a:t>
             </a:fld>
             <a:endParaRPr lang="zh-TW" altLang="en-US"/>
           </a:p>
@@ -1977,7 +1977,7 @@
           <a:p>
             <a:fld id="{D385F7C1-84E1-41C1-9FDC-9163D8A4981F}" type="datetimeFigureOut">
               <a:rPr lang="zh-TW" altLang="en-US" smtClean="0"/>
-              <a:t>2021/6/13</a:t>
+              <a:t>2021/6/14</a:t>
             </a:fld>
             <a:endParaRPr lang="zh-TW" altLang="en-US"/>
           </a:p>
@@ -2254,7 +2254,7 @@
           <a:p>
             <a:fld id="{D385F7C1-84E1-41C1-9FDC-9163D8A4981F}" type="datetimeFigureOut">
               <a:rPr lang="zh-TW" altLang="en-US" smtClean="0"/>
-              <a:t>2021/6/13</a:t>
+              <a:t>2021/6/14</a:t>
             </a:fld>
             <a:endParaRPr lang="zh-TW" altLang="en-US"/>
           </a:p>
@@ -2507,7 +2507,7 @@
           <a:p>
             <a:fld id="{D385F7C1-84E1-41C1-9FDC-9163D8A4981F}" type="datetimeFigureOut">
               <a:rPr lang="zh-TW" altLang="en-US" smtClean="0"/>
-              <a:t>2021/6/13</a:t>
+              <a:t>2021/6/14</a:t>
             </a:fld>
             <a:endParaRPr lang="zh-TW" altLang="en-US"/>
           </a:p>
@@ -2720,7 +2720,7 @@
           <a:p>
             <a:fld id="{D385F7C1-84E1-41C1-9FDC-9163D8A4981F}" type="datetimeFigureOut">
               <a:rPr lang="zh-TW" altLang="en-US" smtClean="0"/>
-              <a:t>2021/6/13</a:t>
+              <a:t>2021/6/14</a:t>
             </a:fld>
             <a:endParaRPr lang="zh-TW" altLang="en-US"/>
           </a:p>
@@ -6309,6 +6309,41 @@
           </p:txBody>
         </p:sp>
       </p:grpSp>
+      <p:pic>
+        <p:nvPicPr>
+          <p:cNvPr id="3" name="Picture 2" descr="C:\xampp\htdocs\Website_269\images\LOGO_BAR.png"/>
+          <p:cNvPicPr>
+            <a:picLocks noChangeAspect="1" noChangeArrowheads="1"/>
+          </p:cNvPicPr>
+          <p:nvPr/>
+        </p:nvPicPr>
+        <p:blipFill rotWithShape="1">
+          <a:blip r:embed="rId4">
+            <a:extLst>
+              <a:ext uri="{28A0092B-C50C-407E-A947-70E740481C1C}">
+                <a14:useLocalDpi xmlns:a14="http://schemas.microsoft.com/office/drawing/2010/main" val="0"/>
+              </a:ext>
+            </a:extLst>
+          </a:blip>
+          <a:srcRect l="-3273" t="14161" r="1" b="27294"/>
+          <a:stretch/>
+        </p:blipFill>
+        <p:spPr bwMode="auto">
+          <a:xfrm>
+            <a:off x="698500" y="-2552695"/>
+            <a:ext cx="11520000" cy="1635582"/>
+          </a:xfrm>
+          <a:prstGeom prst="rect">
+            <a:avLst/>
+          </a:prstGeom>
+          <a:solidFill>
+            <a:schemeClr val="accent3">
+              <a:lumMod val="20000"/>
+              <a:lumOff val="80000"/>
+            </a:schemeClr>
+          </a:solidFill>
+        </p:spPr>
+      </p:pic>
     </p:spTree>
     <p:extLst>
       <p:ext uri="{BB962C8B-B14F-4D97-AF65-F5344CB8AC3E}">
